--- a/document/Product Definition Document Sample - Vybing - v1.5-converted (1).pptx
+++ b/document/Product Definition Document Sample - Vybing - v1.5-converted (1).pptx
@@ -5,7 +5,7 @@
     <p:sldMasterId id="2147483653" r:id="rId1"/>
   </p:sldMasterIdLst>
   <p:notesMasterIdLst>
-    <p:notesMasterId r:id="rId16"/>
+    <p:notesMasterId r:id="rId18"/>
   </p:notesMasterIdLst>
   <p:sldIdLst>
     <p:sldId id="256" r:id="rId2"/>
@@ -15,13 +15,15 @@
     <p:sldId id="270" r:id="rId6"/>
     <p:sldId id="261" r:id="rId7"/>
     <p:sldId id="262" r:id="rId8"/>
-    <p:sldId id="263" r:id="rId9"/>
-    <p:sldId id="264" r:id="rId10"/>
-    <p:sldId id="265" r:id="rId11"/>
-    <p:sldId id="266" r:id="rId12"/>
-    <p:sldId id="267" r:id="rId13"/>
-    <p:sldId id="268" r:id="rId14"/>
-    <p:sldId id="269" r:id="rId15"/>
+    <p:sldId id="271" r:id="rId9"/>
+    <p:sldId id="272" r:id="rId10"/>
+    <p:sldId id="263" r:id="rId11"/>
+    <p:sldId id="264" r:id="rId12"/>
+    <p:sldId id="265" r:id="rId13"/>
+    <p:sldId id="266" r:id="rId14"/>
+    <p:sldId id="267" r:id="rId15"/>
+    <p:sldId id="268" r:id="rId16"/>
+    <p:sldId id="269" r:id="rId17"/>
   </p:sldIdLst>
   <p:sldSz cx="12192000" cy="6858000"/>
   <p:notesSz cx="12192000" cy="6858000"/>
@@ -823,6 +825,214 @@
   <p:cSld>
     <p:spTree>
       <p:nvGrpSpPr>
+        <p:cNvPr id="1" name="Shape 82"/>
+        <p:cNvGrpSpPr/>
+        <p:nvPr/>
+      </p:nvGrpSpPr>
+      <p:grpSpPr>
+        <a:xfrm>
+          <a:off x="0" y="0"/>
+          <a:ext cx="0" cy="0"/>
+          <a:chOff x="0" y="0"/>
+          <a:chExt cx="0" cy="0"/>
+        </a:xfrm>
+      </p:grpSpPr>
+      <p:sp>
+        <p:nvSpPr>
+          <p:cNvPr id="83" name="Google Shape;83;p21:notes"/>
+          <p:cNvSpPr txBox="1">
+            <a:spLocks noGrp="1"/>
+          </p:cNvSpPr>
+          <p:nvPr>
+            <p:ph type="body" idx="1"/>
+          </p:nvPr>
+        </p:nvSpPr>
+        <p:spPr>
+          <a:xfrm>
+            <a:off x="1219200" y="3257550"/>
+            <a:ext cx="9753600" cy="3086100"/>
+          </a:xfrm>
+          <a:prstGeom prst="rect">
+            <a:avLst/>
+          </a:prstGeom>
+        </p:spPr>
+        <p:txBody>
+          <a:bodyPr spcFirstLastPara="1" wrap="square" lIns="91425" tIns="91425" rIns="91425" bIns="91425" anchor="t" anchorCtr="0">
+            <a:noAutofit/>
+          </a:bodyPr>
+          <a:lstStyle/>
+          <a:p>
+            <a:pPr marL="0" lvl="0" indent="0" algn="l" rtl="0">
+              <a:spcBef>
+                <a:spcPts val="0"/>
+              </a:spcBef>
+              <a:spcAft>
+                <a:spcPts val="0"/>
+              </a:spcAft>
+              <a:buNone/>
+            </a:pPr>
+            <a:endParaRPr/>
+          </a:p>
+        </p:txBody>
+      </p:sp>
+      <p:sp>
+        <p:nvSpPr>
+          <p:cNvPr id="84" name="Google Shape;84;p21:notes"/>
+          <p:cNvSpPr>
+            <a:spLocks noGrp="1" noRot="1" noChangeAspect="1"/>
+          </p:cNvSpPr>
+          <p:nvPr>
+            <p:ph type="sldImg" idx="2"/>
+          </p:nvPr>
+        </p:nvSpPr>
+        <p:spPr>
+          <a:xfrm>
+            <a:off x="2032400" y="514350"/>
+            <a:ext cx="8128400" cy="2571750"/>
+          </a:xfrm>
+          <a:custGeom>
+            <a:avLst/>
+            <a:gdLst/>
+            <a:ahLst/>
+            <a:cxnLst/>
+            <a:rect l="l" t="t" r="r" b="b"/>
+            <a:pathLst>
+              <a:path w="120000" h="120000" extrusionOk="0">
+                <a:moveTo>
+                  <a:pt x="0" y="0"/>
+                </a:moveTo>
+                <a:lnTo>
+                  <a:pt x="120000" y="0"/>
+                </a:lnTo>
+                <a:lnTo>
+                  <a:pt x="120000" y="120000"/>
+                </a:lnTo>
+                <a:lnTo>
+                  <a:pt x="0" y="120000"/>
+                </a:lnTo>
+                <a:close/>
+              </a:path>
+            </a:pathLst>
+          </a:custGeom>
+        </p:spPr>
+      </p:sp>
+    </p:spTree>
+  </p:cSld>
+  <p:clrMapOvr>
+    <a:masterClrMapping/>
+  </p:clrMapOvr>
+</p:notes>
+</file>
+
+<file path=ppt/notesSlides/notesSlide11.xml><?xml version="1.0" encoding="utf-8"?>
+<p:notes xmlns:a="http://schemas.openxmlformats.org/drawingml/2006/main" xmlns:r="http://schemas.openxmlformats.org/officeDocument/2006/relationships" xmlns:p="http://schemas.openxmlformats.org/presentationml/2006/main" showMasterSp="0" showMasterPhAnim="0">
+  <p:cSld>
+    <p:spTree>
+      <p:nvGrpSpPr>
+        <p:cNvPr id="1" name="Shape 88"/>
+        <p:cNvGrpSpPr/>
+        <p:nvPr/>
+      </p:nvGrpSpPr>
+      <p:grpSpPr>
+        <a:xfrm>
+          <a:off x="0" y="0"/>
+          <a:ext cx="0" cy="0"/>
+          <a:chOff x="0" y="0"/>
+          <a:chExt cx="0" cy="0"/>
+        </a:xfrm>
+      </p:grpSpPr>
+      <p:sp>
+        <p:nvSpPr>
+          <p:cNvPr id="89" name="Google Shape;89;p22:notes"/>
+          <p:cNvSpPr txBox="1">
+            <a:spLocks noGrp="1"/>
+          </p:cNvSpPr>
+          <p:nvPr>
+            <p:ph type="body" idx="1"/>
+          </p:nvPr>
+        </p:nvSpPr>
+        <p:spPr>
+          <a:xfrm>
+            <a:off x="1219200" y="3257550"/>
+            <a:ext cx="9753600" cy="3086100"/>
+          </a:xfrm>
+          <a:prstGeom prst="rect">
+            <a:avLst/>
+          </a:prstGeom>
+        </p:spPr>
+        <p:txBody>
+          <a:bodyPr spcFirstLastPara="1" wrap="square" lIns="91425" tIns="91425" rIns="91425" bIns="91425" anchor="t" anchorCtr="0">
+            <a:noAutofit/>
+          </a:bodyPr>
+          <a:lstStyle/>
+          <a:p>
+            <a:pPr marL="0" lvl="0" indent="0" algn="l" rtl="0">
+              <a:spcBef>
+                <a:spcPts val="0"/>
+              </a:spcBef>
+              <a:spcAft>
+                <a:spcPts val="0"/>
+              </a:spcAft>
+              <a:buNone/>
+            </a:pPr>
+            <a:endParaRPr/>
+          </a:p>
+        </p:txBody>
+      </p:sp>
+      <p:sp>
+        <p:nvSpPr>
+          <p:cNvPr id="90" name="Google Shape;90;p22:notes"/>
+          <p:cNvSpPr>
+            <a:spLocks noGrp="1" noRot="1" noChangeAspect="1"/>
+          </p:cNvSpPr>
+          <p:nvPr>
+            <p:ph type="sldImg" idx="2"/>
+          </p:nvPr>
+        </p:nvSpPr>
+        <p:spPr>
+          <a:xfrm>
+            <a:off x="2032400" y="514350"/>
+            <a:ext cx="8128400" cy="2571750"/>
+          </a:xfrm>
+          <a:custGeom>
+            <a:avLst/>
+            <a:gdLst/>
+            <a:ahLst/>
+            <a:cxnLst/>
+            <a:rect l="l" t="t" r="r" b="b"/>
+            <a:pathLst>
+              <a:path w="120000" h="120000" extrusionOk="0">
+                <a:moveTo>
+                  <a:pt x="0" y="0"/>
+                </a:moveTo>
+                <a:lnTo>
+                  <a:pt x="120000" y="0"/>
+                </a:lnTo>
+                <a:lnTo>
+                  <a:pt x="120000" y="120000"/>
+                </a:lnTo>
+                <a:lnTo>
+                  <a:pt x="0" y="120000"/>
+                </a:lnTo>
+                <a:close/>
+              </a:path>
+            </a:pathLst>
+          </a:custGeom>
+        </p:spPr>
+      </p:sp>
+    </p:spTree>
+  </p:cSld>
+  <p:clrMapOvr>
+    <a:masterClrMapping/>
+  </p:clrMapOvr>
+</p:notes>
+</file>
+
+<file path=ppt/notesSlides/notesSlide12.xml><?xml version="1.0" encoding="utf-8"?>
+<p:notes xmlns:a="http://schemas.openxmlformats.org/drawingml/2006/main" xmlns:r="http://schemas.openxmlformats.org/officeDocument/2006/relationships" xmlns:p="http://schemas.openxmlformats.org/presentationml/2006/main" showMasterSp="0" showMasterPhAnim="0">
+  <p:cSld>
+    <p:spTree>
+      <p:nvGrpSpPr>
         <p:cNvPr id="1" name="Shape 95"/>
         <p:cNvGrpSpPr/>
         <p:nvPr/>
@@ -922,7 +1132,7 @@
 </p:notes>
 </file>
 
-<file path=ppt/notesSlides/notesSlide11.xml><?xml version="1.0" encoding="utf-8"?>
+<file path=ppt/notesSlides/notesSlide13.xml><?xml version="1.0" encoding="utf-8"?>
 <p:notes xmlns:a="http://schemas.openxmlformats.org/drawingml/2006/main" xmlns:r="http://schemas.openxmlformats.org/officeDocument/2006/relationships" xmlns:p="http://schemas.openxmlformats.org/presentationml/2006/main" showMasterSp="0" showMasterPhAnim="0">
   <p:cSld>
     <p:spTree>
@@ -1026,7 +1236,7 @@
 </p:notes>
 </file>
 
-<file path=ppt/notesSlides/notesSlide12.xml><?xml version="1.0" encoding="utf-8"?>
+<file path=ppt/notesSlides/notesSlide14.xml><?xml version="1.0" encoding="utf-8"?>
 <p:notes xmlns:a="http://schemas.openxmlformats.org/drawingml/2006/main" xmlns:r="http://schemas.openxmlformats.org/officeDocument/2006/relationships" xmlns:p="http://schemas.openxmlformats.org/presentationml/2006/main" showMasterSp="0" showMasterPhAnim="0">
   <p:cSld>
     <p:spTree>
@@ -1130,7 +1340,7 @@
 </p:notes>
 </file>
 
-<file path=ppt/notesSlides/notesSlide13.xml><?xml version="1.0" encoding="utf-8"?>
+<file path=ppt/notesSlides/notesSlide15.xml><?xml version="1.0" encoding="utf-8"?>
 <p:notes xmlns:a="http://schemas.openxmlformats.org/drawingml/2006/main" xmlns:r="http://schemas.openxmlformats.org/officeDocument/2006/relationships" xmlns:p="http://schemas.openxmlformats.org/presentationml/2006/main" showMasterSp="0" showMasterPhAnim="0">
   <p:cSld>
     <p:spTree>
@@ -1234,7 +1444,7 @@
 </p:notes>
 </file>
 
-<file path=ppt/notesSlides/notesSlide14.xml><?xml version="1.0" encoding="utf-8"?>
+<file path=ppt/notesSlides/notesSlide16.xml><?xml version="1.0" encoding="utf-8"?>
 <p:notes xmlns:a="http://schemas.openxmlformats.org/drawingml/2006/main" xmlns:r="http://schemas.openxmlformats.org/officeDocument/2006/relationships" xmlns:p="http://schemas.openxmlformats.org/presentationml/2006/main" showMasterSp="0" showMasterPhAnim="0">
   <p:cSld>
     <p:spTree>
@@ -1826,8 +2036,8 @@
         </p:nvSpPr>
         <p:spPr>
           <a:xfrm>
-            <a:off x="2032400" y="514350"/>
-            <a:ext cx="8128400" cy="2571750"/>
+            <a:off x="3810000" y="514350"/>
+            <a:ext cx="4573588" cy="2571750"/>
           </a:xfrm>
           <a:custGeom>
             <a:avLst/>
@@ -1930,8 +2140,8 @@
         </p:nvSpPr>
         <p:spPr>
           <a:xfrm>
-            <a:off x="2032400" y="514350"/>
-            <a:ext cx="8128400" cy="2571750"/>
+            <a:off x="3810000" y="514350"/>
+            <a:ext cx="4573588" cy="2571750"/>
           </a:xfrm>
           <a:custGeom>
             <a:avLst/>
@@ -1972,7 +2182,7 @@
   <p:cSld>
     <p:spTree>
       <p:nvGrpSpPr>
-        <p:cNvPr id="1" name="Shape 82"/>
+        <p:cNvPr id="1" name="Shape 75"/>
         <p:cNvGrpSpPr/>
         <p:nvPr/>
       </p:nvGrpSpPr>
@@ -1986,7 +2196,7 @@
       </p:grpSpPr>
       <p:sp>
         <p:nvSpPr>
-          <p:cNvPr id="83" name="Google Shape;83;p21:notes"/>
+          <p:cNvPr id="76" name="Google Shape;76;p20:notes"/>
           <p:cNvSpPr txBox="1">
             <a:spLocks noGrp="1"/>
           </p:cNvSpPr>
@@ -2024,7 +2234,7 @@
       </p:sp>
       <p:sp>
         <p:nvSpPr>
-          <p:cNvPr id="84" name="Google Shape;84;p21:notes"/>
+          <p:cNvPr id="77" name="Google Shape;77;p20:notes"/>
           <p:cNvSpPr>
             <a:spLocks noGrp="1" noRot="1" noChangeAspect="1"/>
           </p:cNvSpPr>
@@ -2034,8 +2244,8 @@
         </p:nvSpPr>
         <p:spPr>
           <a:xfrm>
-            <a:off x="2032400" y="514350"/>
-            <a:ext cx="8128400" cy="2571750"/>
+            <a:off x="3810000" y="514350"/>
+            <a:ext cx="4573588" cy="2571750"/>
           </a:xfrm>
           <a:custGeom>
             <a:avLst/>
@@ -2064,6 +2274,11 @@
         </p:spPr>
       </p:sp>
     </p:spTree>
+    <p:extLst>
+      <p:ext uri="{BB962C8B-B14F-4D97-AF65-F5344CB8AC3E}">
+        <p14:creationId xmlns:p14="http://schemas.microsoft.com/office/powerpoint/2010/main" val="2190593570"/>
+      </p:ext>
+    </p:extLst>
   </p:cSld>
   <p:clrMapOvr>
     <a:masterClrMapping/>
@@ -2076,7 +2291,7 @@
   <p:cSld>
     <p:spTree>
       <p:nvGrpSpPr>
-        <p:cNvPr id="1" name="Shape 88"/>
+        <p:cNvPr id="1" name="Shape 75"/>
         <p:cNvGrpSpPr/>
         <p:nvPr/>
       </p:nvGrpSpPr>
@@ -2090,7 +2305,7 @@
       </p:grpSpPr>
       <p:sp>
         <p:nvSpPr>
-          <p:cNvPr id="89" name="Google Shape;89;p22:notes"/>
+          <p:cNvPr id="76" name="Google Shape;76;p20:notes"/>
           <p:cNvSpPr txBox="1">
             <a:spLocks noGrp="1"/>
           </p:cNvSpPr>
@@ -2128,7 +2343,7 @@
       </p:sp>
       <p:sp>
         <p:nvSpPr>
-          <p:cNvPr id="90" name="Google Shape;90;p22:notes"/>
+          <p:cNvPr id="77" name="Google Shape;77;p20:notes"/>
           <p:cNvSpPr>
             <a:spLocks noGrp="1" noRot="1" noChangeAspect="1"/>
           </p:cNvSpPr>
@@ -2138,8 +2353,8 @@
         </p:nvSpPr>
         <p:spPr>
           <a:xfrm>
-            <a:off x="2032400" y="514350"/>
-            <a:ext cx="8128400" cy="2571750"/>
+            <a:off x="3810000" y="514350"/>
+            <a:ext cx="4573588" cy="2571750"/>
           </a:xfrm>
           <a:custGeom>
             <a:avLst/>
@@ -2168,6 +2383,11 @@
         </p:spPr>
       </p:sp>
     </p:spTree>
+    <p:extLst>
+      <p:ext uri="{BB962C8B-B14F-4D97-AF65-F5344CB8AC3E}">
+        <p14:creationId xmlns:p14="http://schemas.microsoft.com/office/powerpoint/2010/main" val="1311793254"/>
+      </p:ext>
+    </p:extLst>
   </p:cSld>
   <p:clrMapOvr>
     <a:masterClrMapping/>
@@ -7098,6 +7318,848 @@
   <p:cSld>
     <p:spTree>
       <p:nvGrpSpPr>
+        <p:cNvPr id="1" name="Shape 85"/>
+        <p:cNvGrpSpPr/>
+        <p:nvPr/>
+      </p:nvGrpSpPr>
+      <p:grpSpPr>
+        <a:xfrm>
+          <a:off x="0" y="0"/>
+          <a:ext cx="0" cy="0"/>
+          <a:chOff x="0" y="0"/>
+          <a:chExt cx="0" cy="0"/>
+        </a:xfrm>
+      </p:grpSpPr>
+      <p:sp>
+        <p:nvSpPr>
+          <p:cNvPr id="86" name="Google Shape;86;p14"/>
+          <p:cNvSpPr txBox="1"/>
+          <p:nvPr/>
+        </p:nvSpPr>
+        <p:spPr>
+          <a:xfrm>
+            <a:off x="780575" y="500000"/>
+            <a:ext cx="8294400" cy="1496100"/>
+          </a:xfrm>
+          <a:prstGeom prst="rect">
+            <a:avLst/>
+          </a:prstGeom>
+          <a:noFill/>
+          <a:ln>
+            <a:noFill/>
+          </a:ln>
+        </p:spPr>
+        <p:txBody>
+          <a:bodyPr spcFirstLastPara="1" wrap="square" lIns="0" tIns="350500" rIns="0" bIns="0" anchor="t" anchorCtr="0">
+            <a:noAutofit/>
+          </a:bodyPr>
+          <a:lstStyle/>
+          <a:p>
+            <a:pPr marL="12700" marR="0" lvl="0" indent="0" algn="l" rtl="0">
+              <a:lnSpc>
+                <a:spcPct val="100000"/>
+              </a:lnSpc>
+              <a:spcBef>
+                <a:spcPts val="0"/>
+              </a:spcBef>
+              <a:spcAft>
+                <a:spcPts val="0"/>
+              </a:spcAft>
+              <a:buNone/>
+            </a:pPr>
+            <a:r>
+              <a:rPr lang="en-US" sz="4800" b="1">
+                <a:latin typeface="Arial"/>
+                <a:ea typeface="Arial"/>
+                <a:cs typeface="Arial"/>
+                <a:sym typeface="Arial"/>
+              </a:rPr>
+              <a:t>Sockets</a:t>
+            </a:r>
+            <a:endParaRPr sz="4800">
+              <a:latin typeface="Arial"/>
+              <a:ea typeface="Arial"/>
+              <a:cs typeface="Arial"/>
+              <a:sym typeface="Arial"/>
+            </a:endParaRPr>
+          </a:p>
+          <a:p>
+            <a:pPr marL="103504" marR="0" lvl="0" indent="0" algn="l" rtl="0">
+              <a:lnSpc>
+                <a:spcPct val="100000"/>
+              </a:lnSpc>
+              <a:spcBef>
+                <a:spcPts val="1000"/>
+              </a:spcBef>
+              <a:spcAft>
+                <a:spcPts val="0"/>
+              </a:spcAft>
+              <a:buNone/>
+            </a:pPr>
+            <a:endParaRPr sz="1800">
+              <a:latin typeface="Arial"/>
+              <a:ea typeface="Arial"/>
+              <a:cs typeface="Arial"/>
+              <a:sym typeface="Arial"/>
+            </a:endParaRPr>
+          </a:p>
+        </p:txBody>
+      </p:sp>
+      <p:sp>
+        <p:nvSpPr>
+          <p:cNvPr id="87" name="Google Shape;87;p14"/>
+          <p:cNvSpPr txBox="1"/>
+          <p:nvPr/>
+        </p:nvSpPr>
+        <p:spPr>
+          <a:xfrm>
+            <a:off x="871400" y="1858625"/>
+            <a:ext cx="12192000" cy="890400"/>
+          </a:xfrm>
+          <a:prstGeom prst="rect">
+            <a:avLst/>
+          </a:prstGeom>
+          <a:noFill/>
+          <a:ln>
+            <a:noFill/>
+          </a:ln>
+        </p:spPr>
+        <p:txBody>
+          <a:bodyPr spcFirstLastPara="1" wrap="square" lIns="0" tIns="12700" rIns="0" bIns="0" anchor="t" anchorCtr="0">
+            <a:noAutofit/>
+          </a:bodyPr>
+          <a:lstStyle/>
+          <a:p>
+            <a:pPr marL="12700" marR="0" lvl="0" indent="0" algn="l" rtl="0">
+              <a:lnSpc>
+                <a:spcPct val="100000"/>
+              </a:lnSpc>
+              <a:spcBef>
+                <a:spcPts val="0"/>
+              </a:spcBef>
+              <a:spcAft>
+                <a:spcPts val="0"/>
+              </a:spcAft>
+              <a:buNone/>
+            </a:pPr>
+            <a:r>
+              <a:rPr lang="en-US" sz="1800" dirty="0"/>
+              <a:t>1)</a:t>
+            </a:r>
+            <a:r>
+              <a:rPr lang="en-US" sz="1800" dirty="0">
+                <a:latin typeface="Arial"/>
+                <a:ea typeface="Arial"/>
+                <a:cs typeface="Arial"/>
+                <a:sym typeface="Arial"/>
+              </a:rPr>
+              <a:t>Socket is connected when entering </a:t>
+            </a:r>
+            <a:r>
+              <a:rPr lang="en-US" sz="1800" dirty="0"/>
+              <a:t>edit, </a:t>
+            </a:r>
+            <a:r>
+              <a:rPr lang="en-US" sz="1800" dirty="0">
+                <a:latin typeface="Arial"/>
+                <a:ea typeface="Arial"/>
+                <a:cs typeface="Arial"/>
+                <a:sym typeface="Arial"/>
+              </a:rPr>
+              <a:t>and closed when leaving </a:t>
+            </a:r>
+            <a:r>
+              <a:rPr lang="en-US" sz="1800" dirty="0"/>
+              <a:t>edit.</a:t>
+            </a:r>
+            <a:endParaRPr sz="1800" dirty="0"/>
+          </a:p>
+          <a:p>
+            <a:pPr marL="12700" marR="0" lvl="0" indent="0" algn="l" rtl="0">
+              <a:lnSpc>
+                <a:spcPct val="100000"/>
+              </a:lnSpc>
+              <a:spcBef>
+                <a:spcPts val="0"/>
+              </a:spcBef>
+              <a:spcAft>
+                <a:spcPts val="0"/>
+              </a:spcAft>
+              <a:buNone/>
+            </a:pPr>
+            <a:r>
+              <a:rPr lang="en-US" sz="1800" dirty="0"/>
+              <a:t>2) </a:t>
+            </a:r>
+            <a:r>
+              <a:rPr lang="en-US" sz="1800" dirty="0">
+                <a:solidFill>
+                  <a:schemeClr val="dk1"/>
+                </a:solidFill>
+              </a:rPr>
+              <a:t>Socket is connected when entering chat, and closed when leaving it.</a:t>
+            </a:r>
+            <a:endParaRPr sz="1800" dirty="0"/>
+          </a:p>
+        </p:txBody>
+      </p:sp>
+    </p:spTree>
+  </p:cSld>
+  <p:clrMapOvr>
+    <a:masterClrMapping/>
+  </p:clrMapOvr>
+</p:sld>
+</file>
+
+<file path=ppt/slides/slide11.xml><?xml version="1.0" encoding="utf-8"?>
+<p:sld xmlns:a="http://schemas.openxmlformats.org/drawingml/2006/main" xmlns:r="http://schemas.openxmlformats.org/officeDocument/2006/relationships" xmlns:p="http://schemas.openxmlformats.org/presentationml/2006/main" showMasterSp="0">
+  <p:cSld>
+    <p:spTree>
+      <p:nvGrpSpPr>
+        <p:cNvPr id="1" name="Shape 91"/>
+        <p:cNvGrpSpPr/>
+        <p:nvPr/>
+      </p:nvGrpSpPr>
+      <p:grpSpPr>
+        <a:xfrm>
+          <a:off x="0" y="0"/>
+          <a:ext cx="0" cy="0"/>
+          <a:chOff x="0" y="0"/>
+          <a:chExt cx="0" cy="0"/>
+        </a:xfrm>
+      </p:grpSpPr>
+      <p:sp>
+        <p:nvSpPr>
+          <p:cNvPr id="92" name="Google Shape;92;p15"/>
+          <p:cNvSpPr txBox="1">
+            <a:spLocks noGrp="1"/>
+          </p:cNvSpPr>
+          <p:nvPr>
+            <p:ph type="title"/>
+          </p:nvPr>
+        </p:nvSpPr>
+        <p:spPr>
+          <a:xfrm>
+            <a:off x="717015" y="403350"/>
+            <a:ext cx="10713300" cy="756900"/>
+          </a:xfrm>
+          <a:prstGeom prst="rect">
+            <a:avLst/>
+          </a:prstGeom>
+          <a:noFill/>
+          <a:ln>
+            <a:noFill/>
+          </a:ln>
+        </p:spPr>
+        <p:txBody>
+          <a:bodyPr spcFirstLastPara="1" wrap="square" lIns="0" tIns="12700" rIns="0" bIns="0" anchor="t" anchorCtr="0">
+            <a:noAutofit/>
+          </a:bodyPr>
+          <a:lstStyle/>
+          <a:p>
+            <a:pPr marL="12700" lvl="0" indent="0" algn="l" rtl="0">
+              <a:lnSpc>
+                <a:spcPct val="100000"/>
+              </a:lnSpc>
+              <a:spcBef>
+                <a:spcPts val="0"/>
+              </a:spcBef>
+              <a:spcAft>
+                <a:spcPts val="0"/>
+              </a:spcAft>
+              <a:buNone/>
+            </a:pPr>
+            <a:r>
+              <a:rPr lang="en-US"/>
+              <a:t>Sockets Protocol</a:t>
+            </a:r>
+            <a:endParaRPr/>
+          </a:p>
+        </p:txBody>
+      </p:sp>
+      <p:sp>
+        <p:nvSpPr>
+          <p:cNvPr id="93" name="Google Shape;93;p15"/>
+          <p:cNvSpPr/>
+          <p:nvPr/>
+        </p:nvSpPr>
+        <p:spPr>
+          <a:xfrm>
+            <a:off x="638555" y="1228344"/>
+            <a:ext cx="10791825" cy="0"/>
+          </a:xfrm>
+          <a:custGeom>
+            <a:avLst/>
+            <a:gdLst/>
+            <a:ahLst/>
+            <a:cxnLst/>
+            <a:rect l="l" t="t" r="r" b="b"/>
+            <a:pathLst>
+              <a:path w="10791825" h="120000" extrusionOk="0">
+                <a:moveTo>
+                  <a:pt x="0" y="0"/>
+                </a:moveTo>
+                <a:lnTo>
+                  <a:pt x="10791825" y="0"/>
+                </a:lnTo>
+              </a:path>
+            </a:pathLst>
+          </a:custGeom>
+          <a:noFill/>
+          <a:ln w="9525" cap="flat" cmpd="sng">
+            <a:solidFill>
+              <a:srgbClr val="4471C4"/>
+            </a:solidFill>
+            <a:prstDash val="solid"/>
+            <a:round/>
+            <a:headEnd type="none" w="sm" len="sm"/>
+            <a:tailEnd type="none" w="sm" len="sm"/>
+          </a:ln>
+        </p:spPr>
+        <p:txBody>
+          <a:bodyPr spcFirstLastPara="1" wrap="square" lIns="0" tIns="0" rIns="0" bIns="0" anchor="t" anchorCtr="0">
+            <a:noAutofit/>
+          </a:bodyPr>
+          <a:lstStyle/>
+          <a:p>
+            <a:pPr marL="0" marR="0" lvl="0" indent="0" algn="l" rtl="0">
+              <a:spcBef>
+                <a:spcPts val="0"/>
+              </a:spcBef>
+              <a:spcAft>
+                <a:spcPts val="0"/>
+              </a:spcAft>
+              <a:buNone/>
+            </a:pPr>
+            <a:endParaRPr sz="1800"/>
+          </a:p>
+        </p:txBody>
+      </p:sp>
+      <p:sp>
+        <p:nvSpPr>
+          <p:cNvPr id="94" name="Google Shape;94;p15"/>
+          <p:cNvSpPr txBox="1"/>
+          <p:nvPr/>
+        </p:nvSpPr>
+        <p:spPr>
+          <a:xfrm>
+            <a:off x="229300" y="1503375"/>
+            <a:ext cx="14109000" cy="4900200"/>
+          </a:xfrm>
+          <a:prstGeom prst="rect">
+            <a:avLst/>
+          </a:prstGeom>
+          <a:noFill/>
+          <a:ln>
+            <a:noFill/>
+          </a:ln>
+        </p:spPr>
+        <p:txBody>
+          <a:bodyPr spcFirstLastPara="1" wrap="square" lIns="0" tIns="12700" rIns="0" bIns="0" anchor="t" anchorCtr="0">
+            <a:noAutofit/>
+          </a:bodyPr>
+          <a:lstStyle/>
+          <a:p>
+            <a:pPr marL="12700" marR="0" lvl="0" indent="0" algn="l" rtl="0">
+              <a:lnSpc>
+                <a:spcPct val="100000"/>
+              </a:lnSpc>
+              <a:spcBef>
+                <a:spcPts val="0"/>
+              </a:spcBef>
+              <a:spcAft>
+                <a:spcPts val="0"/>
+              </a:spcAft>
+              <a:buNone/>
+            </a:pPr>
+            <a:r>
+              <a:rPr lang="en-US" sz="1800" b="1" dirty="0"/>
+              <a:t>1)</a:t>
+            </a:r>
+            <a:endParaRPr sz="1800" b="1" dirty="0"/>
+          </a:p>
+          <a:p>
+            <a:pPr marL="12700" marR="0" lvl="0" indent="0" algn="l" rtl="0">
+              <a:lnSpc>
+                <a:spcPct val="100000"/>
+              </a:lnSpc>
+              <a:spcBef>
+                <a:spcPts val="0"/>
+              </a:spcBef>
+              <a:spcAft>
+                <a:spcPts val="0"/>
+              </a:spcAft>
+              <a:buNone/>
+            </a:pPr>
+            <a:r>
+              <a:rPr lang="en-US" sz="1800" b="1" dirty="0">
+                <a:latin typeface="Arial"/>
+                <a:ea typeface="Arial"/>
+                <a:cs typeface="Arial"/>
+                <a:sym typeface="Arial"/>
+              </a:rPr>
+              <a:t>on</a:t>
+            </a:r>
+            <a:endParaRPr sz="1800" dirty="0">
+              <a:latin typeface="Arial"/>
+              <a:ea typeface="Arial"/>
+              <a:cs typeface="Arial"/>
+              <a:sym typeface="Arial"/>
+            </a:endParaRPr>
+          </a:p>
+          <a:p>
+            <a:pPr marL="12700" marR="2262505" lvl="0" indent="0" algn="l" rtl="0">
+              <a:lnSpc>
+                <a:spcPct val="100000"/>
+              </a:lnSpc>
+              <a:spcBef>
+                <a:spcPts val="5"/>
+              </a:spcBef>
+              <a:spcAft>
+                <a:spcPts val="0"/>
+              </a:spcAft>
+              <a:buNone/>
+            </a:pPr>
+            <a:r>
+              <a:rPr lang="en-US" sz="1800" dirty="0" err="1"/>
+              <a:t>elementChanged</a:t>
+            </a:r>
+            <a:r>
+              <a:rPr lang="en-US" sz="1800" dirty="0">
+                <a:latin typeface="Arial"/>
+                <a:ea typeface="Arial"/>
+                <a:cs typeface="Arial"/>
+                <a:sym typeface="Arial"/>
+              </a:rPr>
+              <a:t>(</a:t>
+            </a:r>
+            <a:r>
+              <a:rPr lang="en-US" sz="1800" dirty="0"/>
+              <a:t>element</a:t>
+            </a:r>
+            <a:r>
+              <a:rPr lang="en-US" sz="1800" dirty="0">
+                <a:latin typeface="Arial"/>
+                <a:ea typeface="Arial"/>
+                <a:cs typeface="Arial"/>
+                <a:sym typeface="Arial"/>
+              </a:rPr>
+              <a:t>)  </a:t>
+            </a:r>
+            <a:endParaRPr sz="1800" dirty="0">
+              <a:latin typeface="Arial"/>
+              <a:ea typeface="Arial"/>
+              <a:cs typeface="Arial"/>
+              <a:sym typeface="Arial"/>
+            </a:endParaRPr>
+          </a:p>
+          <a:p>
+            <a:pPr marL="12700" marR="0" lvl="0" indent="0" algn="l" rtl="0">
+              <a:lnSpc>
+                <a:spcPct val="100000"/>
+              </a:lnSpc>
+              <a:spcBef>
+                <a:spcPts val="0"/>
+              </a:spcBef>
+              <a:spcAft>
+                <a:spcPts val="0"/>
+              </a:spcAft>
+              <a:buNone/>
+            </a:pPr>
+            <a:endParaRPr sz="1750" dirty="0"/>
+          </a:p>
+          <a:p>
+            <a:pPr marL="12700" marR="0" lvl="0" indent="0" algn="l" rtl="0">
+              <a:lnSpc>
+                <a:spcPct val="100000"/>
+              </a:lnSpc>
+              <a:spcBef>
+                <a:spcPts val="0"/>
+              </a:spcBef>
+              <a:spcAft>
+                <a:spcPts val="0"/>
+              </a:spcAft>
+              <a:buNone/>
+            </a:pPr>
+            <a:r>
+              <a:rPr lang="en-US" sz="1800" b="1" dirty="0">
+                <a:latin typeface="Arial"/>
+                <a:ea typeface="Arial"/>
+                <a:cs typeface="Arial"/>
+                <a:sym typeface="Arial"/>
+              </a:rPr>
+              <a:t>emit</a:t>
+            </a:r>
+            <a:endParaRPr sz="1800" dirty="0">
+              <a:latin typeface="Arial"/>
+              <a:ea typeface="Arial"/>
+              <a:cs typeface="Arial"/>
+              <a:sym typeface="Arial"/>
+            </a:endParaRPr>
+          </a:p>
+          <a:p>
+            <a:pPr marL="12700" marR="2262505" lvl="0" indent="0" algn="l" rtl="0">
+              <a:spcBef>
+                <a:spcPts val="5"/>
+              </a:spcBef>
+              <a:spcAft>
+                <a:spcPts val="0"/>
+              </a:spcAft>
+              <a:buNone/>
+            </a:pPr>
+            <a:r>
+              <a:rPr lang="en-US" sz="1800" dirty="0" err="1">
+                <a:solidFill>
+                  <a:schemeClr val="dk1"/>
+                </a:solidFill>
+              </a:rPr>
+              <a:t>elementChanged</a:t>
+            </a:r>
+            <a:r>
+              <a:rPr lang="en-US" sz="1800" dirty="0">
+                <a:solidFill>
+                  <a:schemeClr val="dk1"/>
+                </a:solidFill>
+              </a:rPr>
+              <a:t>(element)  </a:t>
+            </a:r>
+            <a:endParaRPr sz="1800" dirty="0">
+              <a:solidFill>
+                <a:schemeClr val="dk1"/>
+              </a:solidFill>
+            </a:endParaRPr>
+          </a:p>
+          <a:p>
+            <a:pPr marL="12700" marR="2262505" lvl="0" indent="0" algn="l" rtl="0">
+              <a:spcBef>
+                <a:spcPts val="5"/>
+              </a:spcBef>
+              <a:spcAft>
+                <a:spcPts val="0"/>
+              </a:spcAft>
+              <a:buNone/>
+            </a:pPr>
+            <a:endParaRPr sz="1800" dirty="0">
+              <a:solidFill>
+                <a:schemeClr val="dk1"/>
+              </a:solidFill>
+            </a:endParaRPr>
+          </a:p>
+          <a:p>
+            <a:pPr marL="12700" lvl="0" indent="0" algn="l" rtl="0">
+              <a:spcBef>
+                <a:spcPts val="0"/>
+              </a:spcBef>
+              <a:spcAft>
+                <a:spcPts val="0"/>
+              </a:spcAft>
+              <a:buNone/>
+            </a:pPr>
+            <a:r>
+              <a:rPr lang="en-US" sz="1800" b="1" dirty="0">
+                <a:solidFill>
+                  <a:schemeClr val="dk1"/>
+                </a:solidFill>
+              </a:rPr>
+              <a:t>2)</a:t>
+            </a:r>
+            <a:endParaRPr sz="1800" b="1" dirty="0">
+              <a:solidFill>
+                <a:schemeClr val="dk1"/>
+              </a:solidFill>
+            </a:endParaRPr>
+          </a:p>
+          <a:p>
+            <a:pPr marL="12700" lvl="0" indent="0" algn="l" rtl="0">
+              <a:spcBef>
+                <a:spcPts val="0"/>
+              </a:spcBef>
+              <a:spcAft>
+                <a:spcPts val="0"/>
+              </a:spcAft>
+              <a:buNone/>
+            </a:pPr>
+            <a:r>
+              <a:rPr lang="en-US" sz="1800" b="1" dirty="0">
+                <a:solidFill>
+                  <a:schemeClr val="dk1"/>
+                </a:solidFill>
+              </a:rPr>
+              <a:t>on</a:t>
+            </a:r>
+            <a:endParaRPr sz="1800" dirty="0">
+              <a:solidFill>
+                <a:schemeClr val="dk1"/>
+              </a:solidFill>
+            </a:endParaRPr>
+          </a:p>
+          <a:p>
+            <a:pPr marL="12700" marR="2262505" lvl="0" indent="0" algn="l" rtl="0">
+              <a:spcBef>
+                <a:spcPts val="5"/>
+              </a:spcBef>
+              <a:spcAft>
+                <a:spcPts val="0"/>
+              </a:spcAft>
+              <a:buNone/>
+            </a:pPr>
+            <a:r>
+              <a:rPr lang="en-US" sz="1800" dirty="0">
+                <a:solidFill>
+                  <a:schemeClr val="dk1"/>
+                </a:solidFill>
+              </a:rPr>
+              <a:t>connection()</a:t>
+            </a:r>
+            <a:endParaRPr sz="1800" dirty="0">
+              <a:solidFill>
+                <a:schemeClr val="dk1"/>
+              </a:solidFill>
+            </a:endParaRPr>
+          </a:p>
+          <a:p>
+            <a:pPr marL="12700" marR="2262505" lvl="0" indent="0" algn="l" rtl="0">
+              <a:spcBef>
+                <a:spcPts val="5"/>
+              </a:spcBef>
+              <a:spcAft>
+                <a:spcPts val="0"/>
+              </a:spcAft>
+              <a:buNone/>
+            </a:pPr>
+            <a:r>
+              <a:rPr lang="en-US" sz="1800" dirty="0" err="1">
+                <a:solidFill>
+                  <a:schemeClr val="dk1"/>
+                </a:solidFill>
+              </a:rPr>
+              <a:t>roomMsg</a:t>
+            </a:r>
+            <a:r>
+              <a:rPr lang="en-US" sz="1800" dirty="0">
+                <a:solidFill>
+                  <a:schemeClr val="dk1"/>
+                </a:solidFill>
+              </a:rPr>
+              <a:t>(txt)</a:t>
+            </a:r>
+            <a:endParaRPr sz="1800" dirty="0">
+              <a:solidFill>
+                <a:schemeClr val="dk1"/>
+              </a:solidFill>
+            </a:endParaRPr>
+          </a:p>
+          <a:p>
+            <a:pPr marL="12700" marR="2262505" lvl="0" indent="0" algn="l" rtl="0">
+              <a:spcBef>
+                <a:spcPts val="5"/>
+              </a:spcBef>
+              <a:spcAft>
+                <a:spcPts val="0"/>
+              </a:spcAft>
+              <a:buNone/>
+            </a:pPr>
+            <a:r>
+              <a:rPr lang="en-US" sz="1800" dirty="0" err="1">
+                <a:solidFill>
+                  <a:schemeClr val="dk1"/>
+                </a:solidFill>
+              </a:rPr>
+              <a:t>newMsg</a:t>
+            </a:r>
+            <a:r>
+              <a:rPr lang="en-US" sz="1800" dirty="0">
+                <a:solidFill>
+                  <a:schemeClr val="dk1"/>
+                </a:solidFill>
+              </a:rPr>
+              <a:t>(</a:t>
+            </a:r>
+            <a:r>
+              <a:rPr lang="en-US" sz="1800" dirty="0" err="1">
+                <a:solidFill>
+                  <a:schemeClr val="dk1"/>
+                </a:solidFill>
+              </a:rPr>
+              <a:t>this.state.line</a:t>
+            </a:r>
+            <a:r>
+              <a:rPr lang="en-US" sz="1800" dirty="0">
+                <a:solidFill>
+                  <a:schemeClr val="dk1"/>
+                </a:solidFill>
+              </a:rPr>
+              <a:t>)  </a:t>
+            </a:r>
+            <a:endParaRPr sz="1800" dirty="0">
+              <a:solidFill>
+                <a:schemeClr val="dk1"/>
+              </a:solidFill>
+            </a:endParaRPr>
+          </a:p>
+          <a:p>
+            <a:pPr marL="12700" marR="2262505" lvl="0" indent="0" algn="l" rtl="0">
+              <a:spcBef>
+                <a:spcPts val="5"/>
+              </a:spcBef>
+              <a:spcAft>
+                <a:spcPts val="0"/>
+              </a:spcAft>
+              <a:buNone/>
+            </a:pPr>
+            <a:endParaRPr sz="1800" dirty="0">
+              <a:solidFill>
+                <a:schemeClr val="dk1"/>
+              </a:solidFill>
+            </a:endParaRPr>
+          </a:p>
+          <a:p>
+            <a:pPr marL="12700" lvl="0" indent="0" algn="l" rtl="0">
+              <a:spcBef>
+                <a:spcPts val="0"/>
+              </a:spcBef>
+              <a:spcAft>
+                <a:spcPts val="0"/>
+              </a:spcAft>
+              <a:buNone/>
+            </a:pPr>
+            <a:r>
+              <a:rPr lang="en-US" sz="1800" b="1" dirty="0">
+                <a:solidFill>
+                  <a:schemeClr val="dk1"/>
+                </a:solidFill>
+              </a:rPr>
+              <a:t>emit</a:t>
+            </a:r>
+            <a:endParaRPr sz="1800" dirty="0">
+              <a:solidFill>
+                <a:schemeClr val="dk1"/>
+              </a:solidFill>
+            </a:endParaRPr>
+          </a:p>
+          <a:p>
+            <a:pPr marL="12700" marR="2262505" lvl="0" indent="0" algn="l" rtl="0">
+              <a:spcBef>
+                <a:spcPts val="5"/>
+              </a:spcBef>
+              <a:spcAft>
+                <a:spcPts val="0"/>
+              </a:spcAft>
+              <a:buNone/>
+            </a:pPr>
+            <a:r>
+              <a:rPr lang="en-US" sz="1800" dirty="0">
+                <a:solidFill>
+                  <a:schemeClr val="dk1"/>
+                </a:solidFill>
+              </a:rPr>
+              <a:t>connection()</a:t>
+            </a:r>
+            <a:endParaRPr sz="1800" dirty="0">
+              <a:solidFill>
+                <a:schemeClr val="dk1"/>
+              </a:solidFill>
+            </a:endParaRPr>
+          </a:p>
+          <a:p>
+            <a:pPr marL="12700" marR="2262505" lvl="0" indent="0" algn="l" rtl="0">
+              <a:spcBef>
+                <a:spcPts val="5"/>
+              </a:spcBef>
+              <a:spcAft>
+                <a:spcPts val="0"/>
+              </a:spcAft>
+              <a:buNone/>
+            </a:pPr>
+            <a:r>
+              <a:rPr lang="en-US" sz="1800" dirty="0" err="1">
+                <a:solidFill>
+                  <a:schemeClr val="dk1"/>
+                </a:solidFill>
+              </a:rPr>
+              <a:t>roomMsg</a:t>
+            </a:r>
+            <a:r>
+              <a:rPr lang="en-US" sz="1800" dirty="0">
+                <a:solidFill>
+                  <a:schemeClr val="dk1"/>
+                </a:solidFill>
+              </a:rPr>
+              <a:t>(txt)</a:t>
+            </a:r>
+            <a:endParaRPr sz="1800" dirty="0">
+              <a:solidFill>
+                <a:schemeClr val="dk1"/>
+              </a:solidFill>
+            </a:endParaRPr>
+          </a:p>
+          <a:p>
+            <a:pPr marL="12700" marR="2262505" lvl="0" indent="0" algn="l" rtl="0">
+              <a:spcBef>
+                <a:spcPts val="5"/>
+              </a:spcBef>
+              <a:spcAft>
+                <a:spcPts val="0"/>
+              </a:spcAft>
+              <a:buClr>
+                <a:schemeClr val="dk1"/>
+              </a:buClr>
+              <a:buFont typeface="Arial"/>
+              <a:buNone/>
+            </a:pPr>
+            <a:r>
+              <a:rPr lang="en-US" sz="1800" dirty="0" err="1">
+                <a:solidFill>
+                  <a:schemeClr val="dk1"/>
+                </a:solidFill>
+              </a:rPr>
+              <a:t>newMsg</a:t>
+            </a:r>
+            <a:r>
+              <a:rPr lang="en-US" sz="1800" dirty="0">
+                <a:solidFill>
+                  <a:schemeClr val="dk1"/>
+                </a:solidFill>
+              </a:rPr>
+              <a:t>(</a:t>
+            </a:r>
+            <a:r>
+              <a:rPr lang="en-US" sz="1800" dirty="0" err="1">
+                <a:solidFill>
+                  <a:schemeClr val="dk1"/>
+                </a:solidFill>
+              </a:rPr>
+              <a:t>this.state.line</a:t>
+            </a:r>
+            <a:r>
+              <a:rPr lang="en-US" sz="1800" dirty="0">
+                <a:solidFill>
+                  <a:schemeClr val="dk1"/>
+                </a:solidFill>
+              </a:rPr>
+              <a:t>)  </a:t>
+            </a:r>
+            <a:endParaRPr sz="1800" dirty="0">
+              <a:solidFill>
+                <a:schemeClr val="dk1"/>
+              </a:solidFill>
+            </a:endParaRPr>
+          </a:p>
+        </p:txBody>
+      </p:sp>
+    </p:spTree>
+  </p:cSld>
+  <p:clrMapOvr>
+    <a:masterClrMapping/>
+  </p:clrMapOvr>
+</p:sld>
+</file>
+
+<file path=ppt/slides/slide12.xml><?xml version="1.0" encoding="utf-8"?>
+<p:sld xmlns:a="http://schemas.openxmlformats.org/drawingml/2006/main" xmlns:r="http://schemas.openxmlformats.org/officeDocument/2006/relationships" xmlns:p="http://schemas.openxmlformats.org/presentationml/2006/main" showMasterSp="0">
+  <p:cSld>
+    <p:spTree>
+      <p:nvGrpSpPr>
         <p:cNvPr id="1" name="Shape 98"/>
         <p:cNvGrpSpPr/>
         <p:nvPr/>
@@ -7167,7 +8229,7 @@
 </p:sld>
 </file>
 
-<file path=ppt/slides/slide11.xml><?xml version="1.0" encoding="utf-8"?>
+<file path=ppt/slides/slide13.xml><?xml version="1.0" encoding="utf-8"?>
 <p:sld xmlns:a="http://schemas.openxmlformats.org/drawingml/2006/main" xmlns:r="http://schemas.openxmlformats.org/officeDocument/2006/relationships" xmlns:p="http://schemas.openxmlformats.org/presentationml/2006/main" showMasterSp="0">
   <p:cSld>
     <p:spTree>
@@ -9214,7 +10276,7 @@
 </p:sld>
 </file>
 
-<file path=ppt/slides/slide12.xml><?xml version="1.0" encoding="utf-8"?>
+<file path=ppt/slides/slide14.xml><?xml version="1.0" encoding="utf-8"?>
 <p:sld xmlns:a="http://schemas.openxmlformats.org/drawingml/2006/main" xmlns:r="http://schemas.openxmlformats.org/officeDocument/2006/relationships" xmlns:p="http://schemas.openxmlformats.org/presentationml/2006/main" showMasterSp="0">
   <p:cSld>
     <p:spTree>
@@ -10937,7 +11999,7 @@
 </p:sld>
 </file>
 
-<file path=ppt/slides/slide13.xml><?xml version="1.0" encoding="utf-8"?>
+<file path=ppt/slides/slide15.xml><?xml version="1.0" encoding="utf-8"?>
 <p:sld xmlns:a="http://schemas.openxmlformats.org/drawingml/2006/main" xmlns:r="http://schemas.openxmlformats.org/officeDocument/2006/relationships" xmlns:p="http://schemas.openxmlformats.org/presentationml/2006/main" showMasterSp="0">
   <p:cSld>
     <p:spTree>
@@ -11548,7 +12610,7 @@
 </p:sld>
 </file>
 
-<file path=ppt/slides/slide14.xml><?xml version="1.0" encoding="utf-8"?>
+<file path=ppt/slides/slide16.xml><?xml version="1.0" encoding="utf-8"?>
 <p:sld xmlns:a="http://schemas.openxmlformats.org/drawingml/2006/main" xmlns:r="http://schemas.openxmlformats.org/officeDocument/2006/relationships" xmlns:p="http://schemas.openxmlformats.org/presentationml/2006/main" showMasterSp="0">
   <p:cSld>
     <p:spTree>
@@ -12259,7 +13321,7 @@
               <a:buNone/>
             </a:pPr>
             <a:r>
-              <a:rPr lang="en-US" sz="1800" b="1">
+              <a:rPr lang="en-US" sz="1800" b="1" dirty="0">
                 <a:latin typeface="Arial"/>
                 <a:ea typeface="Arial"/>
                 <a:cs typeface="Arial"/>
@@ -12267,7 +13329,7 @@
               </a:rPr>
               <a:t>State</a:t>
             </a:r>
-            <a:endParaRPr sz="1800">
+            <a:endParaRPr sz="1800" dirty="0">
               <a:latin typeface="Arial"/>
               <a:ea typeface="Arial"/>
               <a:cs typeface="Arial"/>
@@ -12288,7 +13350,7 @@
               <a:buNone/>
             </a:pPr>
             <a:r>
-              <a:rPr lang="en-US" sz="1800">
+              <a:rPr lang="en-US" sz="1800" dirty="0" err="1">
                 <a:latin typeface="Arial"/>
                 <a:ea typeface="Arial"/>
                 <a:cs typeface="Arial"/>
@@ -12296,7 +13358,7 @@
               </a:rPr>
               <a:t>loggedinUser</a:t>
             </a:r>
-            <a:endParaRPr sz="1800">
+            <a:endParaRPr sz="1800" dirty="0">
               <a:latin typeface="Arial"/>
               <a:ea typeface="Arial"/>
               <a:cs typeface="Arial"/>
@@ -12316,7 +13378,7 @@
               </a:spcAft>
               <a:buNone/>
             </a:pPr>
-            <a:endParaRPr sz="1750">
+            <a:endParaRPr sz="1750" dirty="0">
               <a:latin typeface="Arial"/>
               <a:ea typeface="Arial"/>
               <a:cs typeface="Arial"/>
@@ -12337,7 +13399,7 @@
               <a:buNone/>
             </a:pPr>
             <a:r>
-              <a:rPr lang="en-US" sz="1800" b="1">
+              <a:rPr lang="en-US" sz="1800" b="1" dirty="0">
                 <a:latin typeface="Arial"/>
                 <a:ea typeface="Arial"/>
                 <a:cs typeface="Arial"/>
@@ -12345,7 +13407,7 @@
               </a:rPr>
               <a:t>Getters</a:t>
             </a:r>
-            <a:endParaRPr sz="1800">
+            <a:endParaRPr sz="1800" dirty="0">
               <a:latin typeface="Arial"/>
               <a:ea typeface="Arial"/>
               <a:cs typeface="Arial"/>
@@ -12366,7 +13428,7 @@
               <a:buNone/>
             </a:pPr>
             <a:r>
-              <a:rPr lang="en-US" sz="1800">
+              <a:rPr lang="en-US" sz="1800" dirty="0">
                 <a:latin typeface="Arial"/>
                 <a:ea typeface="Arial"/>
                 <a:cs typeface="Arial"/>
@@ -12374,7 +13436,7 @@
               </a:rPr>
               <a:t>user</a:t>
             </a:r>
-            <a:endParaRPr sz="1800">
+            <a:endParaRPr sz="1800" dirty="0">
               <a:latin typeface="Arial"/>
               <a:ea typeface="Arial"/>
               <a:cs typeface="Arial"/>
@@ -12394,7 +13456,7 @@
               </a:spcAft>
               <a:buNone/>
             </a:pPr>
-            <a:endParaRPr sz="1750">
+            <a:endParaRPr sz="1750" dirty="0">
               <a:latin typeface="Arial"/>
               <a:ea typeface="Arial"/>
               <a:cs typeface="Arial"/>
@@ -12415,7 +13477,7 @@
               <a:buNone/>
             </a:pPr>
             <a:r>
-              <a:rPr lang="en-US" sz="1800" b="1">
+              <a:rPr lang="en-US" sz="1800" b="1" dirty="0">
                 <a:latin typeface="Arial"/>
                 <a:ea typeface="Arial"/>
                 <a:cs typeface="Arial"/>
@@ -12424,15 +13486,15 @@
               <a:t>Actions  </a:t>
             </a:r>
             <a:r>
-              <a:rPr lang="en-US" sz="1800">
+              <a:rPr lang="en-US" sz="1800" dirty="0">
                 <a:latin typeface="Arial"/>
                 <a:ea typeface="Arial"/>
                 <a:cs typeface="Arial"/>
                 <a:sym typeface="Arial"/>
               </a:rPr>
-              <a:t>login  logout</a:t>
+              <a:t>login , logout, signup</a:t>
             </a:r>
-            <a:endParaRPr sz="1800">
+            <a:endParaRPr sz="1800" dirty="0">
               <a:latin typeface="Arial"/>
               <a:ea typeface="Arial"/>
               <a:cs typeface="Arial"/>
@@ -12611,7 +13673,7 @@
               <a:buNone/>
             </a:pPr>
             <a:r>
-              <a:rPr lang="en-US" sz="1800" b="1">
+              <a:rPr lang="en-US" sz="1800" b="1" dirty="0">
                 <a:latin typeface="Arial"/>
                 <a:ea typeface="Arial"/>
                 <a:cs typeface="Arial"/>
@@ -12620,23 +13682,32 @@
               <a:t>State  </a:t>
             </a:r>
             <a:r>
-              <a:rPr lang="en-US" sz="1800"/>
+              <a:rPr lang="en-US" sz="1800" dirty="0"/>
               <a:t>websites,</a:t>
             </a:r>
             <a:r>
-              <a:rPr lang="en-US" sz="1800">
+              <a:rPr lang="en-US" sz="1800" dirty="0">
                 <a:latin typeface="Arial"/>
                 <a:ea typeface="Arial"/>
                 <a:cs typeface="Arial"/>
                 <a:sym typeface="Arial"/>
               </a:rPr>
-              <a:t> curr</a:t>
+              <a:t> </a:t>
             </a:r>
             <a:r>
-              <a:rPr lang="en-US" sz="1800"/>
+              <a:rPr lang="en-US" sz="1800" dirty="0" err="1">
+                <a:latin typeface="Arial"/>
+                <a:ea typeface="Arial"/>
+                <a:cs typeface="Arial"/>
+                <a:sym typeface="Arial"/>
+              </a:rPr>
+              <a:t>curr</a:t>
+            </a:r>
+            <a:r>
+              <a:rPr lang="en-US" sz="1800" dirty="0" err="1"/>
               <a:t>Website</a:t>
             </a:r>
-            <a:endParaRPr sz="1800">
+            <a:endParaRPr sz="1800" dirty="0">
               <a:latin typeface="Arial"/>
               <a:ea typeface="Arial"/>
               <a:cs typeface="Arial"/>
@@ -12656,7 +13727,7 @@
               </a:spcAft>
               <a:buNone/>
             </a:pPr>
-            <a:endParaRPr sz="1750">
+            <a:endParaRPr sz="1750" dirty="0">
               <a:latin typeface="Arial"/>
               <a:ea typeface="Arial"/>
               <a:cs typeface="Arial"/>
@@ -12677,7 +13748,7 @@
               <a:buNone/>
             </a:pPr>
             <a:r>
-              <a:rPr lang="en-US" sz="1800" b="1">
+              <a:rPr lang="en-US" sz="1800" b="1" dirty="0">
                 <a:latin typeface="Arial"/>
                 <a:ea typeface="Arial"/>
                 <a:cs typeface="Arial"/>
@@ -12686,7 +13757,7 @@
               <a:t>Getters  </a:t>
             </a:r>
             <a:r>
-              <a:rPr lang="en-US" sz="1800">
+              <a:rPr lang="en-US" sz="1800" dirty="0">
                 <a:solidFill>
                   <a:schemeClr val="dk1"/>
                 </a:solidFill>
@@ -12694,7 +13765,7 @@
               <a:t>websites,</a:t>
             </a:r>
             <a:r>
-              <a:rPr lang="en-US" sz="1800">
+              <a:rPr lang="en-US" sz="1800" dirty="0">
                 <a:latin typeface="Arial"/>
                 <a:ea typeface="Arial"/>
                 <a:cs typeface="Arial"/>
@@ -12703,14 +13774,14 @@
               <a:t> </a:t>
             </a:r>
             <a:r>
-              <a:rPr lang="en-US" sz="1800">
+              <a:rPr lang="en-US" sz="1800" dirty="0" err="1">
                 <a:solidFill>
                   <a:schemeClr val="dk1"/>
                 </a:solidFill>
               </a:rPr>
               <a:t>currWebsite</a:t>
             </a:r>
-            <a:endParaRPr sz="1800">
+            <a:endParaRPr sz="1800" dirty="0">
               <a:latin typeface="Arial"/>
               <a:ea typeface="Arial"/>
               <a:cs typeface="Arial"/>
@@ -12730,7 +13801,7 @@
               </a:spcAft>
               <a:buNone/>
             </a:pPr>
-            <a:endParaRPr sz="1750">
+            <a:endParaRPr sz="1750" dirty="0">
               <a:latin typeface="Arial"/>
               <a:ea typeface="Arial"/>
               <a:cs typeface="Arial"/>
@@ -12751,7 +13822,7 @@
               <a:buNone/>
             </a:pPr>
             <a:r>
-              <a:rPr lang="en-US" sz="1800" b="1">
+              <a:rPr lang="en-US" sz="1800" b="1" dirty="0">
                 <a:latin typeface="Arial"/>
                 <a:ea typeface="Arial"/>
                 <a:cs typeface="Arial"/>
@@ -12760,53 +13831,73 @@
               <a:t>Actions  </a:t>
             </a:r>
             <a:r>
-              <a:rPr lang="en-US" sz="1800">
+              <a:rPr lang="en-US" sz="1800" dirty="0" err="1">
                 <a:latin typeface="Arial"/>
                 <a:ea typeface="Arial"/>
                 <a:cs typeface="Arial"/>
                 <a:sym typeface="Arial"/>
               </a:rPr>
-              <a:t>add</a:t>
+              <a:t>remove</a:t>
             </a:r>
             <a:r>
-              <a:rPr lang="en-US" sz="1800"/>
-              <a:t>Element,</a:t>
+              <a:rPr lang="en-US" sz="1800" dirty="0" err="1"/>
+              <a:t>Element</a:t>
             </a:r>
             <a:r>
-              <a:rPr lang="en-US" sz="1800">
+              <a:rPr lang="en-US" sz="1800" dirty="0"/>
+              <a:t>,</a:t>
+            </a:r>
+            <a:r>
+              <a:rPr lang="en-US" sz="1800" dirty="0">
                 <a:latin typeface="Arial"/>
                 <a:ea typeface="Arial"/>
                 <a:cs typeface="Arial"/>
                 <a:sym typeface="Arial"/>
               </a:rPr>
-              <a:t>  remove</a:t>
+              <a:t> </a:t>
             </a:r>
             <a:r>
-              <a:rPr lang="en-US" sz="1800"/>
-              <a:t>Element,</a:t>
-            </a:r>
-            <a:r>
-              <a:rPr lang="en-US" sz="1800">
+              <a:rPr lang="en-US" sz="1800" dirty="0" err="1">
                 <a:latin typeface="Arial"/>
                 <a:ea typeface="Arial"/>
                 <a:cs typeface="Arial"/>
                 <a:sym typeface="Arial"/>
               </a:rPr>
-              <a:t> rem</a:t>
+              <a:t>rem</a:t>
             </a:r>
             <a:r>
-              <a:rPr lang="en-US" sz="1800"/>
-              <a:t>oveWebsite, </a:t>
+              <a:rPr lang="en-US" sz="1800" dirty="0" err="1"/>
+              <a:t>oveWebsite</a:t>
             </a:r>
             <a:r>
-              <a:rPr lang="en-US" sz="1800">
+              <a:rPr lang="en-US" sz="1800" dirty="0"/>
+              <a:t>, </a:t>
+            </a:r>
+            <a:r>
+              <a:rPr lang="en-US" sz="1800" dirty="0" err="1">
                 <a:solidFill>
                   <a:schemeClr val="dk1"/>
                 </a:solidFill>
               </a:rPr>
               <a:t>addWebsite</a:t>
             </a:r>
-            <a:endParaRPr sz="1800">
+            <a:r>
+              <a:rPr lang="en-US" sz="1800" dirty="0">
+                <a:solidFill>
+                  <a:schemeClr val="dk1"/>
+                </a:solidFill>
+              </a:rPr>
+              <a:t>, </a:t>
+            </a:r>
+            <a:r>
+              <a:rPr lang="en-US" sz="1800" dirty="0" err="1">
+                <a:solidFill>
+                  <a:schemeClr val="dk1"/>
+                </a:solidFill>
+              </a:rPr>
+              <a:t>editWebsite</a:t>
+            </a:r>
+            <a:endParaRPr sz="1800" dirty="0">
               <a:latin typeface="Arial"/>
               <a:ea typeface="Arial"/>
               <a:cs typeface="Arial"/>
@@ -12828,7 +13919,7 @@
   <p:cSld>
     <p:spTree>
       <p:nvGrpSpPr>
-        <p:cNvPr id="1" name="Shape 85"/>
+        <p:cNvPr id="1" name="Shape 78"/>
         <p:cNvGrpSpPr/>
         <p:nvPr/>
       </p:nvGrpSpPr>
@@ -12842,205 +13933,7 @@
       </p:grpSpPr>
       <p:sp>
         <p:nvSpPr>
-          <p:cNvPr id="86" name="Google Shape;86;p14"/>
-          <p:cNvSpPr txBox="1"/>
-          <p:nvPr/>
-        </p:nvSpPr>
-        <p:spPr>
-          <a:xfrm>
-            <a:off x="780575" y="500000"/>
-            <a:ext cx="8294400" cy="1496100"/>
-          </a:xfrm>
-          <a:prstGeom prst="rect">
-            <a:avLst/>
-          </a:prstGeom>
-          <a:noFill/>
-          <a:ln>
-            <a:noFill/>
-          </a:ln>
-        </p:spPr>
-        <p:txBody>
-          <a:bodyPr spcFirstLastPara="1" wrap="square" lIns="0" tIns="350500" rIns="0" bIns="0" anchor="t" anchorCtr="0">
-            <a:noAutofit/>
-          </a:bodyPr>
-          <a:lstStyle/>
-          <a:p>
-            <a:pPr marL="12700" marR="0" lvl="0" indent="0" algn="l" rtl="0">
-              <a:lnSpc>
-                <a:spcPct val="100000"/>
-              </a:lnSpc>
-              <a:spcBef>
-                <a:spcPts val="0"/>
-              </a:spcBef>
-              <a:spcAft>
-                <a:spcPts val="0"/>
-              </a:spcAft>
-              <a:buNone/>
-            </a:pPr>
-            <a:r>
-              <a:rPr lang="en-US" sz="4800" b="1">
-                <a:latin typeface="Arial"/>
-                <a:ea typeface="Arial"/>
-                <a:cs typeface="Arial"/>
-                <a:sym typeface="Arial"/>
-              </a:rPr>
-              <a:t>Sockets</a:t>
-            </a:r>
-            <a:endParaRPr sz="4800">
-              <a:latin typeface="Arial"/>
-              <a:ea typeface="Arial"/>
-              <a:cs typeface="Arial"/>
-              <a:sym typeface="Arial"/>
-            </a:endParaRPr>
-          </a:p>
-          <a:p>
-            <a:pPr marL="103504" marR="0" lvl="0" indent="0" algn="l" rtl="0">
-              <a:lnSpc>
-                <a:spcPct val="100000"/>
-              </a:lnSpc>
-              <a:spcBef>
-                <a:spcPts val="1000"/>
-              </a:spcBef>
-              <a:spcAft>
-                <a:spcPts val="0"/>
-              </a:spcAft>
-              <a:buNone/>
-            </a:pPr>
-            <a:endParaRPr sz="1800">
-              <a:latin typeface="Arial"/>
-              <a:ea typeface="Arial"/>
-              <a:cs typeface="Arial"/>
-              <a:sym typeface="Arial"/>
-            </a:endParaRPr>
-          </a:p>
-        </p:txBody>
-      </p:sp>
-      <p:sp>
-        <p:nvSpPr>
-          <p:cNvPr id="87" name="Google Shape;87;p14"/>
-          <p:cNvSpPr txBox="1"/>
-          <p:nvPr/>
-        </p:nvSpPr>
-        <p:spPr>
-          <a:xfrm>
-            <a:off x="871400" y="1858625"/>
-            <a:ext cx="12192000" cy="890400"/>
-          </a:xfrm>
-          <a:prstGeom prst="rect">
-            <a:avLst/>
-          </a:prstGeom>
-          <a:noFill/>
-          <a:ln>
-            <a:noFill/>
-          </a:ln>
-        </p:spPr>
-        <p:txBody>
-          <a:bodyPr spcFirstLastPara="1" wrap="square" lIns="0" tIns="12700" rIns="0" bIns="0" anchor="t" anchorCtr="0">
-            <a:noAutofit/>
-          </a:bodyPr>
-          <a:lstStyle/>
-          <a:p>
-            <a:pPr marL="12700" marR="0" lvl="0" indent="0" algn="l" rtl="0">
-              <a:lnSpc>
-                <a:spcPct val="100000"/>
-              </a:lnSpc>
-              <a:spcBef>
-                <a:spcPts val="0"/>
-              </a:spcBef>
-              <a:spcAft>
-                <a:spcPts val="0"/>
-              </a:spcAft>
-              <a:buNone/>
-            </a:pPr>
-            <a:r>
-              <a:rPr lang="en-US" sz="1800" dirty="0"/>
-              <a:t>1)</a:t>
-            </a:r>
-            <a:r>
-              <a:rPr lang="en-US" sz="1800" dirty="0">
-                <a:latin typeface="Arial"/>
-                <a:ea typeface="Arial"/>
-                <a:cs typeface="Arial"/>
-                <a:sym typeface="Arial"/>
-              </a:rPr>
-              <a:t>Socket is connected when entering </a:t>
-            </a:r>
-            <a:r>
-              <a:rPr lang="en-US" sz="1800" dirty="0"/>
-              <a:t>edit, </a:t>
-            </a:r>
-            <a:r>
-              <a:rPr lang="en-US" sz="1800" dirty="0">
-                <a:latin typeface="Arial"/>
-                <a:ea typeface="Arial"/>
-                <a:cs typeface="Arial"/>
-                <a:sym typeface="Arial"/>
-              </a:rPr>
-              <a:t>and closed when leaving </a:t>
-            </a:r>
-            <a:r>
-              <a:rPr lang="en-US" sz="1800" dirty="0"/>
-              <a:t>edit.</a:t>
-            </a:r>
-            <a:endParaRPr sz="1800" dirty="0"/>
-          </a:p>
-          <a:p>
-            <a:pPr marL="12700" marR="0" lvl="0" indent="0" algn="l" rtl="0">
-              <a:lnSpc>
-                <a:spcPct val="100000"/>
-              </a:lnSpc>
-              <a:spcBef>
-                <a:spcPts val="0"/>
-              </a:spcBef>
-              <a:spcAft>
-                <a:spcPts val="0"/>
-              </a:spcAft>
-              <a:buNone/>
-            </a:pPr>
-            <a:r>
-              <a:rPr lang="en-US" sz="1800" dirty="0"/>
-              <a:t>2) </a:t>
-            </a:r>
-            <a:r>
-              <a:rPr lang="en-US" sz="1800" dirty="0">
-                <a:solidFill>
-                  <a:schemeClr val="dk1"/>
-                </a:solidFill>
-              </a:rPr>
-              <a:t>Socket is connected when entering chat, and closed when leaving it.</a:t>
-            </a:r>
-            <a:endParaRPr sz="1800" dirty="0"/>
-          </a:p>
-        </p:txBody>
-      </p:sp>
-    </p:spTree>
-  </p:cSld>
-  <p:clrMapOvr>
-    <a:masterClrMapping/>
-  </p:clrMapOvr>
-</p:sld>
-</file>
-
-<file path=ppt/slides/slide9.xml><?xml version="1.0" encoding="utf-8"?>
-<p:sld xmlns:a="http://schemas.openxmlformats.org/drawingml/2006/main" xmlns:r="http://schemas.openxmlformats.org/officeDocument/2006/relationships" xmlns:p="http://schemas.openxmlformats.org/presentationml/2006/main" showMasterSp="0">
-  <p:cSld>
-    <p:spTree>
-      <p:nvGrpSpPr>
-        <p:cNvPr id="1" name="Shape 91"/>
-        <p:cNvGrpSpPr/>
-        <p:nvPr/>
-      </p:nvGrpSpPr>
-      <p:grpSpPr>
-        <a:xfrm>
-          <a:off x="0" y="0"/>
-          <a:ext cx="0" cy="0"/>
-          <a:chOff x="0" y="0"/>
-          <a:chExt cx="0" cy="0"/>
-        </a:xfrm>
-      </p:grpSpPr>
-      <p:sp>
-        <p:nvSpPr>
-          <p:cNvPr id="92" name="Google Shape;92;p15"/>
+          <p:cNvPr id="79" name="Google Shape;79;p13"/>
           <p:cNvSpPr txBox="1">
             <a:spLocks noGrp="1"/>
           </p:cNvSpPr>
@@ -13050,8 +13943,8 @@
         </p:nvSpPr>
         <p:spPr>
           <a:xfrm>
-            <a:off x="717015" y="403350"/>
-            <a:ext cx="10713300" cy="756900"/>
+            <a:off x="717009" y="403350"/>
+            <a:ext cx="11014200" cy="756900"/>
           </a:xfrm>
           <a:prstGeom prst="rect">
             <a:avLst/>
@@ -13080,16 +13973,20 @@
               <a:buNone/>
             </a:pPr>
             <a:r>
-              <a:rPr lang="en-US"/>
-              <a:t>Sockets Protocol</a:t>
+              <a:rPr lang="en-US" dirty="0"/>
+              <a:t>Store - </a:t>
             </a:r>
-            <a:endParaRPr/>
+            <a:r>
+              <a:rPr lang="en-US" dirty="0" err="1"/>
+              <a:t>ElementModule</a:t>
+            </a:r>
+            <a:endParaRPr dirty="0"/>
           </a:p>
         </p:txBody>
       </p:sp>
       <p:sp>
         <p:nvSpPr>
-          <p:cNvPr id="93" name="Google Shape;93;p15"/>
+          <p:cNvPr id="80" name="Google Shape;80;p13"/>
           <p:cNvSpPr/>
           <p:nvPr/>
         </p:nvSpPr>
@@ -13147,14 +14044,14 @@
       </p:sp>
       <p:sp>
         <p:nvSpPr>
-          <p:cNvPr id="94" name="Google Shape;94;p15"/>
+          <p:cNvPr id="81" name="Google Shape;81;p13"/>
           <p:cNvSpPr txBox="1"/>
           <p:nvPr/>
         </p:nvSpPr>
         <p:spPr>
           <a:xfrm>
-            <a:off x="229300" y="1503375"/>
-            <a:ext cx="14109000" cy="4900200"/>
+            <a:off x="717012" y="1746600"/>
+            <a:ext cx="9998700" cy="3867300"/>
           </a:xfrm>
           <a:prstGeom prst="rect">
             <a:avLst/>
@@ -13170,26 +14067,7 @@
           </a:bodyPr>
           <a:lstStyle/>
           <a:p>
-            <a:pPr marL="12700" marR="0" lvl="0" indent="0" algn="l" rtl="0">
-              <a:lnSpc>
-                <a:spcPct val="100000"/>
-              </a:lnSpc>
-              <a:spcBef>
-                <a:spcPts val="0"/>
-              </a:spcBef>
-              <a:spcAft>
-                <a:spcPts val="0"/>
-              </a:spcAft>
-              <a:buNone/>
-            </a:pPr>
-            <a:r>
-              <a:rPr lang="en-US" sz="1800" b="1" dirty="0"/>
-              <a:t>1)</a:t>
-            </a:r>
-            <a:endParaRPr sz="1800" b="1" dirty="0"/>
-          </a:p>
-          <a:p>
-            <a:pPr marL="12700" marR="0" lvl="0" indent="0" algn="l" rtl="0">
+            <a:pPr marL="12700" marR="219709" lvl="0" indent="0" algn="l" rtl="0">
               <a:lnSpc>
                 <a:spcPct val="100000"/>
               </a:lnSpc>
@@ -13208,7 +14086,71 @@
                 <a:cs typeface="Arial"/>
                 <a:sym typeface="Arial"/>
               </a:rPr>
-              <a:t>on</a:t>
+              <a:t>State  </a:t>
+            </a:r>
+            <a:r>
+              <a:rPr lang="en-US" sz="1800" dirty="0"/>
+              <a:t>element,</a:t>
+            </a:r>
+            <a:endParaRPr sz="1750" dirty="0">
+              <a:latin typeface="Arial"/>
+              <a:ea typeface="Arial"/>
+              <a:cs typeface="Arial"/>
+              <a:sym typeface="Arial"/>
+            </a:endParaRPr>
+          </a:p>
+          <a:p>
+            <a:pPr marL="12700" marR="219709" lvl="0"/>
+            <a:r>
+              <a:rPr lang="en-US" sz="1800" b="1" dirty="0">
+                <a:latin typeface="Arial"/>
+                <a:ea typeface="Arial"/>
+                <a:cs typeface="Arial"/>
+                <a:sym typeface="Arial"/>
+              </a:rPr>
+              <a:t>Getters </a:t>
+            </a:r>
+            <a:r>
+              <a:rPr lang="en-US" sz="1800" dirty="0"/>
+              <a:t>element</a:t>
+            </a:r>
+            <a:endParaRPr sz="1750" dirty="0">
+              <a:latin typeface="Arial"/>
+              <a:ea typeface="Arial"/>
+              <a:cs typeface="Arial"/>
+              <a:sym typeface="Arial"/>
+            </a:endParaRPr>
+          </a:p>
+          <a:p>
+            <a:pPr marL="12700" marR="5080" lvl="0" indent="0" algn="l" rtl="0">
+              <a:lnSpc>
+                <a:spcPct val="100000"/>
+              </a:lnSpc>
+              <a:spcBef>
+                <a:spcPts val="5"/>
+              </a:spcBef>
+              <a:spcAft>
+                <a:spcPts val="0"/>
+              </a:spcAft>
+              <a:buNone/>
+            </a:pPr>
+            <a:r>
+              <a:rPr lang="en-US" sz="1800" b="1" dirty="0">
+                <a:latin typeface="Arial"/>
+                <a:ea typeface="Arial"/>
+                <a:cs typeface="Arial"/>
+                <a:sym typeface="Arial"/>
+              </a:rPr>
+              <a:t>Actions  </a:t>
+            </a:r>
+            <a:r>
+              <a:rPr lang="en-US" sz="1800" dirty="0" err="1">
+                <a:latin typeface="Arial"/>
+                <a:ea typeface="Arial"/>
+                <a:cs typeface="Arial"/>
+                <a:sym typeface="Arial"/>
+              </a:rPr>
+              <a:t>getElement</a:t>
             </a:r>
             <a:endParaRPr sz="1800" dirty="0">
               <a:latin typeface="Arial"/>
@@ -13217,13 +14159,73 @@
               <a:sym typeface="Arial"/>
             </a:endParaRPr>
           </a:p>
+        </p:txBody>
+      </p:sp>
+    </p:spTree>
+    <p:extLst>
+      <p:ext uri="{BB962C8B-B14F-4D97-AF65-F5344CB8AC3E}">
+        <p14:creationId xmlns:p14="http://schemas.microsoft.com/office/powerpoint/2010/main" val="4289249186"/>
+      </p:ext>
+    </p:extLst>
+  </p:cSld>
+  <p:clrMapOvr>
+    <a:masterClrMapping/>
+  </p:clrMapOvr>
+</p:sld>
+</file>
+
+<file path=ppt/slides/slide9.xml><?xml version="1.0" encoding="utf-8"?>
+<p:sld xmlns:a="http://schemas.openxmlformats.org/drawingml/2006/main" xmlns:r="http://schemas.openxmlformats.org/officeDocument/2006/relationships" xmlns:p="http://schemas.openxmlformats.org/presentationml/2006/main" showMasterSp="0">
+  <p:cSld>
+    <p:spTree>
+      <p:nvGrpSpPr>
+        <p:cNvPr id="1" name="Shape 78"/>
+        <p:cNvGrpSpPr/>
+        <p:nvPr/>
+      </p:nvGrpSpPr>
+      <p:grpSpPr>
+        <a:xfrm>
+          <a:off x="0" y="0"/>
+          <a:ext cx="0" cy="0"/>
+          <a:chOff x="0" y="0"/>
+          <a:chExt cx="0" cy="0"/>
+        </a:xfrm>
+      </p:grpSpPr>
+      <p:sp>
+        <p:nvSpPr>
+          <p:cNvPr id="79" name="Google Shape;79;p13"/>
+          <p:cNvSpPr txBox="1">
+            <a:spLocks noGrp="1"/>
+          </p:cNvSpPr>
+          <p:nvPr>
+            <p:ph type="title"/>
+          </p:nvPr>
+        </p:nvSpPr>
+        <p:spPr>
+          <a:xfrm>
+            <a:off x="717009" y="403350"/>
+            <a:ext cx="11014200" cy="756900"/>
+          </a:xfrm>
+          <a:prstGeom prst="rect">
+            <a:avLst/>
+          </a:prstGeom>
+          <a:noFill/>
+          <a:ln>
+            <a:noFill/>
+          </a:ln>
+        </p:spPr>
+        <p:txBody>
+          <a:bodyPr spcFirstLastPara="1" wrap="square" lIns="0" tIns="12700" rIns="0" bIns="0" anchor="t" anchorCtr="0">
+            <a:noAutofit/>
+          </a:bodyPr>
+          <a:lstStyle/>
           <a:p>
-            <a:pPr marL="12700" marR="2262505" lvl="0" indent="0" algn="l" rtl="0">
+            <a:pPr marL="12700" lvl="0" indent="0" algn="l" rtl="0">
               <a:lnSpc>
                 <a:spcPct val="100000"/>
               </a:lnSpc>
               <a:spcBef>
-                <a:spcPts val="5"/>
+                <a:spcPts val="0"/>
               </a:spcBef>
               <a:spcAft>
                 <a:spcPts val="0"/>
@@ -13231,30 +14233,184 @@
               <a:buNone/>
             </a:pPr>
             <a:r>
-              <a:rPr lang="en-US" sz="1800" dirty="0" err="1"/>
-              <a:t>elementChanged</a:t>
+              <a:rPr lang="en-US" dirty="0"/>
+              <a:t>Store - </a:t>
             </a:r>
             <a:r>
-              <a:rPr lang="en-US" sz="1800" dirty="0">
+              <a:rPr lang="en-US" dirty="0" err="1"/>
+              <a:t>TemplateModule</a:t>
+            </a:r>
+            <a:endParaRPr dirty="0"/>
+          </a:p>
+        </p:txBody>
+      </p:sp>
+      <p:sp>
+        <p:nvSpPr>
+          <p:cNvPr id="80" name="Google Shape;80;p13"/>
+          <p:cNvSpPr/>
+          <p:nvPr/>
+        </p:nvSpPr>
+        <p:spPr>
+          <a:xfrm>
+            <a:off x="638555" y="1228344"/>
+            <a:ext cx="10791825" cy="0"/>
+          </a:xfrm>
+          <a:custGeom>
+            <a:avLst/>
+            <a:gdLst/>
+            <a:ahLst/>
+            <a:cxnLst/>
+            <a:rect l="l" t="t" r="r" b="b"/>
+            <a:pathLst>
+              <a:path w="10791825" h="120000" extrusionOk="0">
+                <a:moveTo>
+                  <a:pt x="0" y="0"/>
+                </a:moveTo>
+                <a:lnTo>
+                  <a:pt x="10791825" y="0"/>
+                </a:lnTo>
+              </a:path>
+            </a:pathLst>
+          </a:custGeom>
+          <a:noFill/>
+          <a:ln w="9525" cap="flat" cmpd="sng">
+            <a:solidFill>
+              <a:srgbClr val="4471C4"/>
+            </a:solidFill>
+            <a:prstDash val="solid"/>
+            <a:round/>
+            <a:headEnd type="none" w="sm" len="sm"/>
+            <a:tailEnd type="none" w="sm" len="sm"/>
+          </a:ln>
+        </p:spPr>
+        <p:txBody>
+          <a:bodyPr spcFirstLastPara="1" wrap="square" lIns="0" tIns="0" rIns="0" bIns="0" anchor="t" anchorCtr="0">
+            <a:noAutofit/>
+          </a:bodyPr>
+          <a:lstStyle/>
+          <a:p>
+            <a:pPr marL="0" marR="0" lvl="0" indent="0" algn="l" rtl="0">
+              <a:spcBef>
+                <a:spcPts val="0"/>
+              </a:spcBef>
+              <a:spcAft>
+                <a:spcPts val="0"/>
+              </a:spcAft>
+              <a:buNone/>
+            </a:pPr>
+            <a:endParaRPr sz="1800"/>
+          </a:p>
+        </p:txBody>
+      </p:sp>
+      <p:sp>
+        <p:nvSpPr>
+          <p:cNvPr id="81" name="Google Shape;81;p13"/>
+          <p:cNvSpPr txBox="1"/>
+          <p:nvPr/>
+        </p:nvSpPr>
+        <p:spPr>
+          <a:xfrm>
+            <a:off x="717012" y="1746600"/>
+            <a:ext cx="9998700" cy="3867300"/>
+          </a:xfrm>
+          <a:prstGeom prst="rect">
+            <a:avLst/>
+          </a:prstGeom>
+          <a:noFill/>
+          <a:ln>
+            <a:noFill/>
+          </a:ln>
+        </p:spPr>
+        <p:txBody>
+          <a:bodyPr spcFirstLastPara="1" wrap="square" lIns="0" tIns="12700" rIns="0" bIns="0" anchor="t" anchorCtr="0">
+            <a:noAutofit/>
+          </a:bodyPr>
+          <a:lstStyle/>
+          <a:p>
+            <a:pPr marL="12700" marR="219709" lvl="0" indent="0" algn="l" rtl="0">
+              <a:lnSpc>
+                <a:spcPct val="100000"/>
+              </a:lnSpc>
+              <a:spcBef>
+                <a:spcPts val="0"/>
+              </a:spcBef>
+              <a:spcAft>
+                <a:spcPts val="0"/>
+              </a:spcAft>
+              <a:buNone/>
+            </a:pPr>
+            <a:r>
+              <a:rPr lang="en-US" sz="1800" b="1" dirty="0">
                 <a:latin typeface="Arial"/>
                 <a:ea typeface="Arial"/>
                 <a:cs typeface="Arial"/>
                 <a:sym typeface="Arial"/>
               </a:rPr>
-              <a:t>(</a:t>
+              <a:t>State  </a:t>
             </a:r>
             <a:r>
               <a:rPr lang="en-US" sz="1800" dirty="0"/>
-              <a:t>element</a:t>
+              <a:t>template,</a:t>
             </a:r>
+            <a:endParaRPr sz="1750" dirty="0">
+              <a:latin typeface="Arial"/>
+              <a:ea typeface="Arial"/>
+              <a:cs typeface="Arial"/>
+              <a:sym typeface="Arial"/>
+            </a:endParaRPr>
+          </a:p>
+          <a:p>
+            <a:pPr marL="12700" marR="219709" lvl="0"/>
             <a:r>
-              <a:rPr lang="en-US" sz="1800" dirty="0">
+              <a:rPr lang="en-US" sz="1800" b="1" dirty="0">
                 <a:latin typeface="Arial"/>
                 <a:ea typeface="Arial"/>
                 <a:cs typeface="Arial"/>
                 <a:sym typeface="Arial"/>
               </a:rPr>
-              <a:t>)  </a:t>
+              <a:t>Getters </a:t>
+            </a:r>
+            <a:r>
+              <a:rPr lang="en-US" sz="1800" dirty="0"/>
+              <a:t>template</a:t>
+            </a:r>
+            <a:endParaRPr sz="1750" dirty="0">
+              <a:latin typeface="Arial"/>
+              <a:ea typeface="Arial"/>
+              <a:cs typeface="Arial"/>
+              <a:sym typeface="Arial"/>
+            </a:endParaRPr>
+          </a:p>
+          <a:p>
+            <a:pPr marL="12700" marR="5080" lvl="0" indent="0" algn="l" rtl="0">
+              <a:lnSpc>
+                <a:spcPct val="100000"/>
+              </a:lnSpc>
+              <a:spcBef>
+                <a:spcPts val="5"/>
+              </a:spcBef>
+              <a:spcAft>
+                <a:spcPts val="0"/>
+              </a:spcAft>
+              <a:buNone/>
+            </a:pPr>
+            <a:r>
+              <a:rPr lang="en-US" sz="1800" b="1" dirty="0">
+                <a:latin typeface="Arial"/>
+                <a:ea typeface="Arial"/>
+                <a:cs typeface="Arial"/>
+                <a:sym typeface="Arial"/>
+              </a:rPr>
+              <a:t>Actions  </a:t>
+            </a:r>
+            <a:r>
+              <a:rPr lang="en-US" sz="1800" dirty="0" err="1">
+                <a:latin typeface="Arial"/>
+                <a:ea typeface="Arial"/>
+                <a:cs typeface="Arial"/>
+                <a:sym typeface="Arial"/>
+              </a:rPr>
+              <a:t>getTemplate</a:t>
             </a:r>
             <a:endParaRPr sz="1800" dirty="0">
               <a:latin typeface="Arial"/>
@@ -13263,401 +14419,14 @@
               <a:sym typeface="Arial"/>
             </a:endParaRPr>
           </a:p>
-          <a:p>
-            <a:pPr marL="12700" marR="0" lvl="0" indent="0" algn="l" rtl="0">
-              <a:lnSpc>
-                <a:spcPct val="100000"/>
-              </a:lnSpc>
-              <a:spcBef>
-                <a:spcPts val="0"/>
-              </a:spcBef>
-              <a:spcAft>
-                <a:spcPts val="0"/>
-              </a:spcAft>
-              <a:buNone/>
-            </a:pPr>
-            <a:endParaRPr sz="1750" dirty="0"/>
-          </a:p>
-          <a:p>
-            <a:pPr marL="12700" marR="0" lvl="0" indent="0" algn="l" rtl="0">
-              <a:lnSpc>
-                <a:spcPct val="100000"/>
-              </a:lnSpc>
-              <a:spcBef>
-                <a:spcPts val="0"/>
-              </a:spcBef>
-              <a:spcAft>
-                <a:spcPts val="0"/>
-              </a:spcAft>
-              <a:buNone/>
-            </a:pPr>
-            <a:r>
-              <a:rPr lang="en-US" sz="1800" b="1" dirty="0">
-                <a:latin typeface="Arial"/>
-                <a:ea typeface="Arial"/>
-                <a:cs typeface="Arial"/>
-                <a:sym typeface="Arial"/>
-              </a:rPr>
-              <a:t>emit</a:t>
-            </a:r>
-            <a:endParaRPr sz="1800" dirty="0">
-              <a:latin typeface="Arial"/>
-              <a:ea typeface="Arial"/>
-              <a:cs typeface="Arial"/>
-              <a:sym typeface="Arial"/>
-            </a:endParaRPr>
-          </a:p>
-          <a:p>
-            <a:pPr marL="12700" marR="2262505" lvl="0" indent="0" algn="l" rtl="0">
-              <a:spcBef>
-                <a:spcPts val="5"/>
-              </a:spcBef>
-              <a:spcAft>
-                <a:spcPts val="0"/>
-              </a:spcAft>
-              <a:buNone/>
-            </a:pPr>
-            <a:r>
-              <a:rPr lang="en-US" sz="1800" dirty="0" err="1">
-                <a:solidFill>
-                  <a:schemeClr val="dk1"/>
-                </a:solidFill>
-              </a:rPr>
-              <a:t>elementChanged</a:t>
-            </a:r>
-            <a:r>
-              <a:rPr lang="en-US" sz="1800" dirty="0">
-                <a:solidFill>
-                  <a:schemeClr val="dk1"/>
-                </a:solidFill>
-              </a:rPr>
-              <a:t>(element)  </a:t>
-            </a:r>
-            <a:endParaRPr sz="1800" dirty="0">
-              <a:solidFill>
-                <a:schemeClr val="dk1"/>
-              </a:solidFill>
-            </a:endParaRPr>
-          </a:p>
-          <a:p>
-            <a:pPr marL="12700" marR="2262505" lvl="0" indent="0" algn="l" rtl="0">
-              <a:spcBef>
-                <a:spcPts val="5"/>
-              </a:spcBef>
-              <a:spcAft>
-                <a:spcPts val="0"/>
-              </a:spcAft>
-              <a:buNone/>
-            </a:pPr>
-            <a:endParaRPr sz="1800" dirty="0">
-              <a:solidFill>
-                <a:schemeClr val="dk1"/>
-              </a:solidFill>
-            </a:endParaRPr>
-          </a:p>
-          <a:p>
-            <a:pPr marL="12700" lvl="0" indent="0" algn="l" rtl="0">
-              <a:spcBef>
-                <a:spcPts val="0"/>
-              </a:spcBef>
-              <a:spcAft>
-                <a:spcPts val="0"/>
-              </a:spcAft>
-              <a:buNone/>
-            </a:pPr>
-            <a:r>
-              <a:rPr lang="en-US" sz="1800" b="1" dirty="0">
-                <a:solidFill>
-                  <a:schemeClr val="dk1"/>
-                </a:solidFill>
-              </a:rPr>
-              <a:t>2)</a:t>
-            </a:r>
-            <a:endParaRPr sz="1800" b="1" dirty="0">
-              <a:solidFill>
-                <a:schemeClr val="dk1"/>
-              </a:solidFill>
-            </a:endParaRPr>
-          </a:p>
-          <a:p>
-            <a:pPr marL="12700" lvl="0" indent="0" algn="l" rtl="0">
-              <a:spcBef>
-                <a:spcPts val="0"/>
-              </a:spcBef>
-              <a:spcAft>
-                <a:spcPts val="0"/>
-              </a:spcAft>
-              <a:buNone/>
-            </a:pPr>
-            <a:r>
-              <a:rPr lang="en-US" sz="1800" b="1" dirty="0">
-                <a:solidFill>
-                  <a:schemeClr val="dk1"/>
-                </a:solidFill>
-              </a:rPr>
-              <a:t>on</a:t>
-            </a:r>
-            <a:endParaRPr sz="1800" dirty="0">
-              <a:solidFill>
-                <a:schemeClr val="dk1"/>
-              </a:solidFill>
-            </a:endParaRPr>
-          </a:p>
-          <a:p>
-            <a:pPr marL="12700" marR="2262505" lvl="0" indent="0" algn="l" rtl="0">
-              <a:spcBef>
-                <a:spcPts val="5"/>
-              </a:spcBef>
-              <a:spcAft>
-                <a:spcPts val="0"/>
-              </a:spcAft>
-              <a:buNone/>
-            </a:pPr>
-            <a:r>
-              <a:rPr lang="en-US" sz="1800" dirty="0">
-                <a:solidFill>
-                  <a:schemeClr val="dk1"/>
-                </a:solidFill>
-              </a:rPr>
-              <a:t>connection()</a:t>
-            </a:r>
-            <a:endParaRPr sz="1800" dirty="0">
-              <a:solidFill>
-                <a:schemeClr val="dk1"/>
-              </a:solidFill>
-            </a:endParaRPr>
-          </a:p>
-          <a:p>
-            <a:pPr marL="12700" marR="2262505" lvl="0" indent="0" algn="l" rtl="0">
-              <a:spcBef>
-                <a:spcPts val="5"/>
-              </a:spcBef>
-              <a:spcAft>
-                <a:spcPts val="0"/>
-              </a:spcAft>
-              <a:buNone/>
-            </a:pPr>
-            <a:r>
-              <a:rPr lang="en-US" sz="1800" dirty="0" err="1">
-                <a:solidFill>
-                  <a:schemeClr val="dk1"/>
-                </a:solidFill>
-              </a:rPr>
-              <a:t>roomMsg</a:t>
-            </a:r>
-            <a:r>
-              <a:rPr lang="en-US" sz="1800" dirty="0">
-                <a:solidFill>
-                  <a:schemeClr val="dk1"/>
-                </a:solidFill>
-              </a:rPr>
-              <a:t>(txt)</a:t>
-            </a:r>
-            <a:endParaRPr sz="1800" dirty="0">
-              <a:solidFill>
-                <a:schemeClr val="dk1"/>
-              </a:solidFill>
-            </a:endParaRPr>
-          </a:p>
-          <a:p>
-            <a:pPr marL="12700" marR="2262505" lvl="0" indent="0" algn="l" rtl="0">
-              <a:spcBef>
-                <a:spcPts val="5"/>
-              </a:spcBef>
-              <a:spcAft>
-                <a:spcPts val="0"/>
-              </a:spcAft>
-              <a:buNone/>
-            </a:pPr>
-            <a:r>
-              <a:rPr lang="en-US" sz="1800" dirty="0" err="1">
-                <a:solidFill>
-                  <a:schemeClr val="dk1"/>
-                </a:solidFill>
-              </a:rPr>
-              <a:t>newMsg</a:t>
-            </a:r>
-            <a:r>
-              <a:rPr lang="en-US" sz="1800" dirty="0">
-                <a:solidFill>
-                  <a:schemeClr val="dk1"/>
-                </a:solidFill>
-              </a:rPr>
-              <a:t>(</a:t>
-            </a:r>
-            <a:r>
-              <a:rPr lang="en-US" sz="1800" dirty="0" err="1">
-                <a:solidFill>
-                  <a:schemeClr val="dk1"/>
-                </a:solidFill>
-              </a:rPr>
-              <a:t>this.state.line</a:t>
-            </a:r>
-            <a:r>
-              <a:rPr lang="en-US" sz="1800" dirty="0">
-                <a:solidFill>
-                  <a:schemeClr val="dk1"/>
-                </a:solidFill>
-              </a:rPr>
-              <a:t>)  </a:t>
-            </a:r>
-            <a:endParaRPr sz="1800" dirty="0">
-              <a:solidFill>
-                <a:schemeClr val="dk1"/>
-              </a:solidFill>
-            </a:endParaRPr>
-          </a:p>
-          <a:p>
-            <a:pPr marL="12700" marR="2262505" lvl="0" indent="0" algn="l" rtl="0">
-              <a:spcBef>
-                <a:spcPts val="5"/>
-              </a:spcBef>
-              <a:spcAft>
-                <a:spcPts val="0"/>
-              </a:spcAft>
-              <a:buNone/>
-            </a:pPr>
-            <a:endParaRPr sz="1800" dirty="0">
-              <a:solidFill>
-                <a:schemeClr val="dk1"/>
-              </a:solidFill>
-            </a:endParaRPr>
-          </a:p>
-          <a:p>
-            <a:pPr marL="12700" lvl="0" indent="0" algn="l" rtl="0">
-              <a:spcBef>
-                <a:spcPts val="0"/>
-              </a:spcBef>
-              <a:spcAft>
-                <a:spcPts val="0"/>
-              </a:spcAft>
-              <a:buNone/>
-            </a:pPr>
-            <a:r>
-              <a:rPr lang="en-US" sz="1800" b="1" dirty="0">
-                <a:solidFill>
-                  <a:schemeClr val="dk1"/>
-                </a:solidFill>
-              </a:rPr>
-              <a:t>emit</a:t>
-            </a:r>
-            <a:endParaRPr sz="1800" dirty="0">
-              <a:solidFill>
-                <a:schemeClr val="dk1"/>
-              </a:solidFill>
-            </a:endParaRPr>
-          </a:p>
-          <a:p>
-            <a:pPr marL="12700" marR="2262505" lvl="0" indent="0" algn="l" rtl="0">
-              <a:spcBef>
-                <a:spcPts val="5"/>
-              </a:spcBef>
-              <a:spcAft>
-                <a:spcPts val="0"/>
-              </a:spcAft>
-              <a:buNone/>
-            </a:pPr>
-            <a:r>
-              <a:rPr lang="en-US" sz="1800" dirty="0">
-                <a:solidFill>
-                  <a:schemeClr val="dk1"/>
-                </a:solidFill>
-              </a:rPr>
-              <a:t>connection()</a:t>
-            </a:r>
-            <a:endParaRPr sz="1800" dirty="0">
-              <a:solidFill>
-                <a:schemeClr val="dk1"/>
-              </a:solidFill>
-            </a:endParaRPr>
-          </a:p>
-          <a:p>
-            <a:pPr marL="12700" marR="2262505" lvl="0" indent="0" algn="l" rtl="0">
-              <a:spcBef>
-                <a:spcPts val="5"/>
-              </a:spcBef>
-              <a:spcAft>
-                <a:spcPts val="0"/>
-              </a:spcAft>
-              <a:buNone/>
-            </a:pPr>
-            <a:r>
-              <a:rPr lang="en-US" sz="1800" dirty="0" err="1">
-                <a:solidFill>
-                  <a:schemeClr val="dk1"/>
-                </a:solidFill>
-              </a:rPr>
-              <a:t>roomMsg</a:t>
-            </a:r>
-            <a:r>
-              <a:rPr lang="en-US" sz="1800" dirty="0">
-                <a:solidFill>
-                  <a:schemeClr val="dk1"/>
-                </a:solidFill>
-              </a:rPr>
-              <a:t>(txt)</a:t>
-            </a:r>
-            <a:endParaRPr sz="1800" dirty="0">
-              <a:solidFill>
-                <a:schemeClr val="dk1"/>
-              </a:solidFill>
-            </a:endParaRPr>
-          </a:p>
-          <a:p>
-            <a:pPr marL="12700" marR="2262505" lvl="0" indent="0" algn="l" rtl="0">
-              <a:spcBef>
-                <a:spcPts val="5"/>
-              </a:spcBef>
-              <a:spcAft>
-                <a:spcPts val="0"/>
-              </a:spcAft>
-              <a:buClr>
-                <a:schemeClr val="dk1"/>
-              </a:buClr>
-              <a:buFont typeface="Arial"/>
-              <a:buNone/>
-            </a:pPr>
-            <a:r>
-              <a:rPr lang="en-US" sz="1800" dirty="0" err="1">
-                <a:solidFill>
-                  <a:schemeClr val="dk1"/>
-                </a:solidFill>
-              </a:rPr>
-              <a:t>newMsg</a:t>
-            </a:r>
-            <a:r>
-              <a:rPr lang="en-US" sz="1800" dirty="0">
-                <a:solidFill>
-                  <a:schemeClr val="dk1"/>
-                </a:solidFill>
-              </a:rPr>
-              <a:t>(</a:t>
-            </a:r>
-            <a:r>
-              <a:rPr lang="en-US" sz="1800" dirty="0" err="1">
-                <a:solidFill>
-                  <a:schemeClr val="dk1"/>
-                </a:solidFill>
-              </a:rPr>
-              <a:t>this.state.line</a:t>
-            </a:r>
-            <a:r>
-              <a:rPr lang="en-US" sz="1800" dirty="0">
-                <a:solidFill>
-                  <a:schemeClr val="dk1"/>
-                </a:solidFill>
-              </a:rPr>
-              <a:t>)  </a:t>
-            </a:r>
-            <a:endParaRPr sz="1800" dirty="0">
-              <a:solidFill>
-                <a:schemeClr val="dk1"/>
-              </a:solidFill>
-            </a:endParaRPr>
-          </a:p>
         </p:txBody>
       </p:sp>
     </p:spTree>
+    <p:extLst>
+      <p:ext uri="{BB962C8B-B14F-4D97-AF65-F5344CB8AC3E}">
+        <p14:creationId xmlns:p14="http://schemas.microsoft.com/office/powerpoint/2010/main" val="3642019547"/>
+      </p:ext>
+    </p:extLst>
   </p:cSld>
   <p:clrMapOvr>
     <a:masterClrMapping/>
